--- a/eece3170/f16/lectures/eece.3170f16_lec4_x86.pptx
+++ b/eece3170/f16/lectures/eece.3170f16_lec4_x86.pptx
@@ -5,10 +5,10 @@
     <p:sldMasterId id="2147483792" r:id="rId1"/>
   </p:sldMasterIdLst>
   <p:notesMasterIdLst>
-    <p:notesMasterId r:id="rId22"/>
+    <p:notesMasterId r:id="rId21"/>
   </p:notesMasterIdLst>
   <p:handoutMasterIdLst>
-    <p:handoutMasterId r:id="rId23"/>
+    <p:handoutMasterId r:id="rId22"/>
   </p:handoutMasterIdLst>
   <p:sldIdLst>
     <p:sldId id="256" r:id="rId2"/>
@@ -21,16 +21,15 @@
     <p:sldId id="467" r:id="rId9"/>
     <p:sldId id="468" r:id="rId10"/>
     <p:sldId id="469" r:id="rId11"/>
-    <p:sldId id="470" r:id="rId12"/>
-    <p:sldId id="472" r:id="rId13"/>
-    <p:sldId id="473" r:id="rId14"/>
-    <p:sldId id="474" r:id="rId15"/>
-    <p:sldId id="475" r:id="rId16"/>
-    <p:sldId id="458" r:id="rId17"/>
-    <p:sldId id="459" r:id="rId18"/>
-    <p:sldId id="460" r:id="rId19"/>
-    <p:sldId id="461" r:id="rId20"/>
-    <p:sldId id="379" r:id="rId21"/>
+    <p:sldId id="477" r:id="rId12"/>
+    <p:sldId id="470" r:id="rId13"/>
+    <p:sldId id="472" r:id="rId14"/>
+    <p:sldId id="473" r:id="rId15"/>
+    <p:sldId id="474" r:id="rId16"/>
+    <p:sldId id="475" r:id="rId17"/>
+    <p:sldId id="458" r:id="rId18"/>
+    <p:sldId id="459" r:id="rId19"/>
+    <p:sldId id="379" r:id="rId20"/>
   </p:sldIdLst>
   <p:sldSz cx="9144000" cy="6858000" type="screen4x3"/>
   <p:notesSz cx="9144000" cy="6858000"/>
@@ -1283,7 +1282,7 @@
             <a:fld id="{0DEAF93C-0332-F04D-9C7B-A4166D802D5B}" type="datetime1">
               <a:rPr lang="en-US"/>
               <a:pPr/>
-              <a:t>9/7/16</a:t>
+              <a:t>9/12/16</a:t>
             </a:fld>
             <a:endParaRPr lang="en-US"/>
           </a:p>
@@ -1847,7 +1846,7 @@
             <a:fld id="{A55096D1-02D3-9C4E-8EF9-589205CF743B}" type="datetime1">
               <a:rPr lang="en-US"/>
               <a:pPr/>
-              <a:t>9/7/16</a:t>
+              <a:t>9/12/16</a:t>
             </a:fld>
             <a:endParaRPr lang="en-US"/>
           </a:p>
@@ -2411,7 +2410,7 @@
             <a:fld id="{E54D2D9B-B0F3-B548-A411-2270ABAB06C6}" type="datetime1">
               <a:rPr lang="en-US"/>
               <a:pPr/>
-              <a:t>9/7/16</a:t>
+              <a:t>9/12/16</a:t>
             </a:fld>
             <a:endParaRPr lang="en-US"/>
           </a:p>
@@ -2975,7 +2974,7 @@
             <a:fld id="{534291ED-09FB-F546-A9D5-F1DC509162BC}" type="datetime1">
               <a:rPr lang="en-US"/>
               <a:pPr/>
-              <a:t>9/7/16</a:t>
+              <a:t>9/12/16</a:t>
             </a:fld>
             <a:endParaRPr lang="en-US"/>
           </a:p>
@@ -3295,7 +3294,7 @@
             <a:fld id="{3B40FBBD-ED5B-5840-95A9-AC0A18BBFD01}" type="slidenum">
               <a:rPr lang="en-US"/>
               <a:pPr/>
-              <a:t>11</a:t>
+              <a:t>12</a:t>
             </a:fld>
             <a:endParaRPr lang="en-US"/>
           </a:p>
@@ -3539,7 +3538,7 @@
             <a:fld id="{7AEA264A-C0D5-1645-8C93-47BF847522DC}" type="datetime1">
               <a:rPr lang="en-US"/>
               <a:pPr/>
-              <a:t>9/7/16</a:t>
+              <a:t>9/12/16</a:t>
             </a:fld>
             <a:endParaRPr lang="en-US"/>
           </a:p>
@@ -3859,7 +3858,7 @@
             <a:fld id="{FD307A12-218D-164A-8AE8-5D7965AF09B5}" type="slidenum">
               <a:rPr lang="en-US"/>
               <a:pPr/>
-              <a:t>12</a:t>
+              <a:t>13</a:t>
             </a:fld>
             <a:endParaRPr lang="en-US"/>
           </a:p>
@@ -4103,7 +4102,7 @@
             <a:fld id="{B9193EF1-3A73-1C41-B57E-6101610D879B}" type="datetime1">
               <a:rPr lang="en-US"/>
               <a:pPr/>
-              <a:t>9/7/16</a:t>
+              <a:t>9/12/16</a:t>
             </a:fld>
             <a:endParaRPr lang="en-US"/>
           </a:p>
@@ -4423,7 +4422,7 @@
             <a:fld id="{7ED534DF-C6FE-974F-9D31-DA5021B425D6}" type="slidenum">
               <a:rPr lang="en-US"/>
               <a:pPr/>
-              <a:t>13</a:t>
+              <a:t>14</a:t>
             </a:fld>
             <a:endParaRPr lang="en-US"/>
           </a:p>
@@ -4719,7 +4718,7 @@
           <a:p>
             <a:fld id="{BBDD11D4-4F7D-1F4B-AA8D-B03C9E37044B}" type="datetime1">
               <a:rPr lang="en-US" smtClean="0"/>
-              <a:t>9/7/16</a:t>
+              <a:t>9/12/16</a:t>
             </a:fld>
             <a:endParaRPr lang="en-US"/>
           </a:p>
@@ -4915,7 +4914,7 @@
           <a:p>
             <a:fld id="{F9597AFA-3690-D345-A779-3C03664975AE}" type="datetime1">
               <a:rPr lang="en-US" smtClean="0"/>
-              <a:t>9/7/16</a:t>
+              <a:t>9/12/16</a:t>
             </a:fld>
             <a:endParaRPr lang="en-US"/>
           </a:p>
@@ -5120,7 +5119,7 @@
           <a:p>
             <a:fld id="{79964BE0-FFBF-2C43-A9EA-D29F4F159939}" type="datetime1">
               <a:rPr lang="en-US" smtClean="0"/>
-              <a:t>9/7/16</a:t>
+              <a:t>9/12/16</a:t>
             </a:fld>
             <a:endParaRPr lang="en-US"/>
           </a:p>
@@ -5382,7 +5381,7 @@
           <a:p>
             <a:fld id="{8FF2E494-5A61-714B-A143-32BC8B1F49D1}" type="datetime1">
               <a:rPr lang="en-US" smtClean="0"/>
-              <a:t>9/7/16</a:t>
+              <a:t>9/12/16</a:t>
             </a:fld>
             <a:endParaRPr lang="en-US"/>
           </a:p>
@@ -5644,7 +5643,7 @@
           <a:p>
             <a:fld id="{DA889D23-8781-CF42-909E-FF56B2810519}" type="datetime1">
               <a:rPr lang="en-US" smtClean="0"/>
-              <a:t>9/7/16</a:t>
+              <a:t>9/12/16</a:t>
             </a:fld>
             <a:endParaRPr lang="en-US"/>
           </a:p>
@@ -5839,7 +5838,7 @@
           <a:p>
             <a:fld id="{4AE5121B-2D64-C345-BB01-7013B6E5BC0B}" type="datetime1">
               <a:rPr lang="en-US" smtClean="0"/>
-              <a:t>9/7/16</a:t>
+              <a:t>9/12/16</a:t>
             </a:fld>
             <a:endParaRPr lang="en-US"/>
           </a:p>
@@ -6056,7 +6055,7 @@
           <a:p>
             <a:fld id="{8B90A4D6-0E49-8242-A8CE-63059DF7E7C9}" type="datetime1">
               <a:rPr lang="en-US" smtClean="0"/>
-              <a:t>9/7/16</a:t>
+              <a:t>9/12/16</a:t>
             </a:fld>
             <a:endParaRPr lang="en-US"/>
           </a:p>
@@ -6369,7 +6368,7 @@
           <a:p>
             <a:fld id="{401B393B-C192-ED4A-B8B9-C7066B2036DC}" type="datetime1">
               <a:rPr lang="en-US" smtClean="0"/>
-              <a:t>9/7/16</a:t>
+              <a:t>9/12/16</a:t>
             </a:fld>
             <a:endParaRPr lang="en-US"/>
           </a:p>
@@ -6821,7 +6820,7 @@
           <a:p>
             <a:fld id="{2EB83DB9-22F5-014D-8A4E-190D33403895}" type="datetime1">
               <a:rPr lang="en-US" smtClean="0"/>
-              <a:t>9/7/16</a:t>
+              <a:t>9/12/16</a:t>
             </a:fld>
             <a:endParaRPr lang="en-US"/>
           </a:p>
@@ -6964,7 +6963,7 @@
           <a:p>
             <a:fld id="{2F72D555-873F-EC4A-A36A-9B2132ACDC72}" type="datetime1">
               <a:rPr lang="en-US" smtClean="0"/>
-              <a:t>9/7/16</a:t>
+              <a:t>9/12/16</a:t>
             </a:fld>
             <a:endParaRPr lang="en-US"/>
           </a:p>
@@ -7084,7 +7083,7 @@
           <a:p>
             <a:fld id="{CABCCED2-2D44-0A4E-BE61-D5552D6DB3B8}" type="datetime1">
               <a:rPr lang="en-US" smtClean="0"/>
-              <a:t>9/7/16</a:t>
+              <a:t>9/12/16</a:t>
             </a:fld>
             <a:endParaRPr lang="en-US"/>
           </a:p>
@@ -7386,7 +7385,7 @@
           <a:p>
             <a:fld id="{22E1133D-43A6-0A45-B4DD-7E39859DD4F4}" type="datetime1">
               <a:rPr lang="en-US" smtClean="0"/>
-              <a:t>9/7/16</a:t>
+              <a:t>9/12/16</a:t>
             </a:fld>
             <a:endParaRPr lang="en-US"/>
           </a:p>
@@ -7665,7 +7664,7 @@
           <a:p>
             <a:fld id="{3C138802-0C25-CA4C-81D8-F1F39DBC78AD}" type="datetime1">
               <a:rPr lang="en-US" smtClean="0"/>
-              <a:t>9/7/16</a:t>
+              <a:t>9/12/16</a:t>
             </a:fld>
             <a:endParaRPr lang="en-US"/>
           </a:p>
@@ -7963,7 +7962,7 @@
           <a:p>
             <a:fld id="{2BE50162-596C-B644-89EC-BDD2DD66EC74}" type="datetime1">
               <a:rPr lang="en-US" smtClean="0"/>
-              <a:t>9/7/16</a:t>
+              <a:t>9/12/16</a:t>
             </a:fld>
             <a:endParaRPr lang="en-US"/>
           </a:p>
@@ -9258,7 +9257,7 @@
               <a:rPr lang="en-US" smtClean="0">
                 <a:latin typeface="Garamond" charset="0"/>
               </a:rPr>
-              <a:t>9/7/16</a:t>
+              <a:t>9/12/16</a:t>
             </a:fld>
             <a:endParaRPr lang="en-US">
               <a:latin typeface="Garamond" charset="0"/>
@@ -9498,9 +9497,9 @@
       </p:grpSpPr>
       <p:sp>
         <p:nvSpPr>
-          <p:cNvPr id="17410" name="Rectangle 2"/>
-          <p:cNvSpPr>
-            <a:spLocks noGrp="1" noChangeArrowheads="1"/>
+          <p:cNvPr id="2" name="Title 1"/>
+          <p:cNvSpPr>
+            <a:spLocks noGrp="1"/>
           </p:cNvSpPr>
           <p:nvPr>
             <p:ph type="title"/>
@@ -9511,29 +9510,18 @@
           <a:bodyPr/>
           <a:lstStyle/>
           <a:p>
-            <a:r>
-              <a:rPr lang="en-US" dirty="0" smtClean="0">
-                <a:latin typeface="Garamond" charset="0"/>
-              </a:rPr>
-              <a:t>Pointer/Index </a:t>
-            </a:r>
-            <a:r>
-              <a:rPr lang="en-US" dirty="0">
-                <a:latin typeface="Garamond" charset="0"/>
-              </a:rPr>
-              <a:t>Registers</a:t>
-            </a:r>
-          </a:p>
-        </p:txBody>
-      </p:sp>
-      <p:sp>
-        <p:nvSpPr>
-          <p:cNvPr id="17412" name="Rectangle 3"/>
-          <p:cNvSpPr>
-            <a:spLocks noGrp="1" noChangeArrowheads="1"/>
-          </p:cNvSpPr>
-          <p:nvPr>
-            <p:ph idx="1"/>
+            <a:endParaRPr lang="en-US"/>
+          </a:p>
+        </p:txBody>
+      </p:sp>
+      <p:sp>
+        <p:nvSpPr>
+          <p:cNvPr id="3" name="Content Placeholder 2"/>
+          <p:cNvSpPr>
+            <a:spLocks noGrp="1"/>
+          </p:cNvSpPr>
+          <p:nvPr>
+            <p:ph sz="half" idx="1"/>
           </p:nvPr>
         </p:nvSpPr>
         <p:spPr/>
@@ -9541,279 +9529,49 @@
           <a:bodyPr/>
           <a:lstStyle/>
           <a:p>
-            <a:r>
-              <a:rPr lang="en-US" dirty="0">
-                <a:latin typeface="Arial" charset="0"/>
-              </a:rPr>
-              <a:t>Two pointer </a:t>
-            </a:r>
-            <a:r>
-              <a:rPr lang="en-US" dirty="0" smtClean="0">
-                <a:latin typeface="Arial" charset="0"/>
-              </a:rPr>
-              <a:t>registers (32-/16-bit versions)</a:t>
-            </a:r>
-            <a:endParaRPr lang="en-US" dirty="0">
-              <a:latin typeface="Arial" charset="0"/>
-            </a:endParaRPr>
-          </a:p>
-          <a:p>
-            <a:pPr lvl="1"/>
-            <a:r>
-              <a:rPr lang="en-US" dirty="0">
-                <a:latin typeface="Arial" charset="0"/>
-              </a:rPr>
-              <a:t>Stack pointer </a:t>
-            </a:r>
-            <a:r>
-              <a:rPr lang="en-US" dirty="0" smtClean="0">
-                <a:latin typeface="Arial" charset="0"/>
-              </a:rPr>
-              <a:t>register (ESP/SP) </a:t>
-            </a:r>
-            <a:endParaRPr lang="en-US" dirty="0">
-              <a:latin typeface="Arial" charset="0"/>
-            </a:endParaRPr>
-          </a:p>
-          <a:p>
-            <a:pPr lvl="2"/>
-            <a:r>
-              <a:rPr lang="en-US" dirty="0" smtClean="0">
-                <a:latin typeface="Arial" charset="0"/>
-              </a:rPr>
-              <a:t>Points </a:t>
-            </a:r>
-            <a:r>
-              <a:rPr lang="en-US" dirty="0">
-                <a:latin typeface="Arial" charset="0"/>
-              </a:rPr>
-              <a:t>to top of stack</a:t>
-            </a:r>
-          </a:p>
-          <a:p>
-            <a:pPr lvl="1"/>
-            <a:r>
-              <a:rPr lang="en-US" dirty="0">
-                <a:latin typeface="Arial" charset="0"/>
-              </a:rPr>
-              <a:t> Base pointer </a:t>
-            </a:r>
-            <a:r>
-              <a:rPr lang="en-US" dirty="0" smtClean="0">
-                <a:latin typeface="Arial" charset="0"/>
-              </a:rPr>
-              <a:t>register (EBP/BP)</a:t>
-            </a:r>
-            <a:endParaRPr lang="en-US" dirty="0">
-              <a:latin typeface="Arial" charset="0"/>
-            </a:endParaRPr>
-          </a:p>
-          <a:p>
-            <a:pPr lvl="2"/>
-            <a:r>
-              <a:rPr lang="en-US" dirty="0" smtClean="0">
-                <a:latin typeface="Arial" charset="0"/>
-              </a:rPr>
-              <a:t>Points </a:t>
-            </a:r>
-            <a:r>
-              <a:rPr lang="en-US" dirty="0">
-                <a:latin typeface="Arial" charset="0"/>
-              </a:rPr>
-              <a:t>to fixed location within current stack </a:t>
-            </a:r>
-            <a:r>
-              <a:rPr lang="en-US" dirty="0" smtClean="0">
-                <a:latin typeface="Arial" charset="0"/>
-              </a:rPr>
-              <a:t>frame</a:t>
-            </a:r>
-          </a:p>
-          <a:p>
-            <a:r>
-              <a:rPr lang="en-US" dirty="0" smtClean="0">
-                <a:latin typeface="Arial" charset="0"/>
-              </a:rPr>
-              <a:t>Two index registers</a:t>
-            </a:r>
-          </a:p>
-          <a:p>
-            <a:pPr lvl="1"/>
-            <a:r>
-              <a:rPr lang="en-US" dirty="0" smtClean="0">
-                <a:latin typeface="Arial" charset="0"/>
-              </a:rPr>
-              <a:t>Source index (ESI/SI)</a:t>
-            </a:r>
-          </a:p>
-          <a:p>
-            <a:pPr lvl="1"/>
-            <a:r>
-              <a:rPr lang="en-US" dirty="0" smtClean="0">
-                <a:latin typeface="Arial" charset="0"/>
-              </a:rPr>
-              <a:t>Destination index (EDI/DI)</a:t>
-            </a:r>
-          </a:p>
-          <a:p>
-            <a:pPr lvl="1"/>
-            <a:r>
-              <a:rPr lang="en-US" dirty="0" smtClean="0">
-                <a:latin typeface="Arial" charset="0"/>
-              </a:rPr>
-              <a:t>Typically used in memory addressing</a:t>
-            </a:r>
-            <a:endParaRPr lang="en-US" dirty="0">
-              <a:latin typeface="Arial" charset="0"/>
-            </a:endParaRPr>
-          </a:p>
-          <a:p>
-            <a:endParaRPr lang="en-US" dirty="0">
-              <a:latin typeface="Arial" charset="0"/>
-            </a:endParaRPr>
-          </a:p>
-        </p:txBody>
-      </p:sp>
-      <p:sp>
-        <p:nvSpPr>
-          <p:cNvPr id="2" name="Date Placeholder 1"/>
+            <a:endParaRPr lang="en-US"/>
+          </a:p>
+        </p:txBody>
+      </p:sp>
+      <p:sp>
+        <p:nvSpPr>
+          <p:cNvPr id="4" name="Content Placeholder 3"/>
           <p:cNvSpPr>
             <a:spLocks noGrp="1"/>
           </p:cNvSpPr>
           <p:nvPr>
+            <p:ph sz="half" idx="2"/>
+          </p:nvPr>
+        </p:nvSpPr>
+        <p:spPr/>
+        <p:txBody>
+          <a:bodyPr/>
+          <a:lstStyle/>
+          <a:p>
+            <a:endParaRPr lang="en-US"/>
+          </a:p>
+        </p:txBody>
+      </p:sp>
+      <p:sp>
+        <p:nvSpPr>
+          <p:cNvPr id="5" name="Date Placeholder 4"/>
+          <p:cNvSpPr>
+            <a:spLocks noGrp="1"/>
+          </p:cNvSpPr>
+          <p:nvPr>
             <p:ph type="dt" sz="half" idx="10"/>
           </p:nvPr>
         </p:nvSpPr>
         <p:spPr/>
         <p:txBody>
           <a:bodyPr/>
-          <a:lstStyle>
-            <a:lvl1pPr eaLnBrk="0" hangingPunct="0">
-              <a:defRPr>
-                <a:solidFill>
-                  <a:schemeClr val="tx1"/>
-                </a:solidFill>
-                <a:latin typeface="Arial" charset="0"/>
-                <a:ea typeface="ＭＳ Ｐゴシック" charset="0"/>
-                <a:cs typeface="Arial" charset="0"/>
-              </a:defRPr>
-            </a:lvl1pPr>
-            <a:lvl2pPr marL="742950" indent="-285750" eaLnBrk="0" hangingPunct="0">
-              <a:defRPr>
-                <a:solidFill>
-                  <a:schemeClr val="tx1"/>
-                </a:solidFill>
-                <a:latin typeface="Arial" charset="0"/>
-                <a:ea typeface="Arial" charset="0"/>
-                <a:cs typeface="Arial" charset="0"/>
-              </a:defRPr>
-            </a:lvl2pPr>
-            <a:lvl3pPr marL="1143000" indent="-228600" eaLnBrk="0" hangingPunct="0">
-              <a:defRPr>
-                <a:solidFill>
-                  <a:schemeClr val="tx1"/>
-                </a:solidFill>
-                <a:latin typeface="Arial" charset="0"/>
-                <a:ea typeface="Arial" charset="0"/>
-                <a:cs typeface="Arial" charset="0"/>
-              </a:defRPr>
-            </a:lvl3pPr>
-            <a:lvl4pPr marL="1600200" indent="-228600" eaLnBrk="0" hangingPunct="0">
-              <a:defRPr>
-                <a:solidFill>
-                  <a:schemeClr val="tx1"/>
-                </a:solidFill>
-                <a:latin typeface="Arial" charset="0"/>
-                <a:ea typeface="Arial" charset="0"/>
-                <a:cs typeface="Arial" charset="0"/>
-              </a:defRPr>
-            </a:lvl4pPr>
-            <a:lvl5pPr marL="2057400" indent="-228600" eaLnBrk="0" hangingPunct="0">
-              <a:defRPr>
-                <a:solidFill>
-                  <a:schemeClr val="tx1"/>
-                </a:solidFill>
-                <a:latin typeface="Arial" charset="0"/>
-                <a:ea typeface="Arial" charset="0"/>
-                <a:cs typeface="Arial" charset="0"/>
-              </a:defRPr>
-            </a:lvl5pPr>
-            <a:lvl6pPr marL="2514600" indent="-228600" eaLnBrk="0" fontAlgn="base" hangingPunct="0">
-              <a:spcBef>
-                <a:spcPct val="0"/>
-              </a:spcBef>
-              <a:spcAft>
-                <a:spcPct val="0"/>
-              </a:spcAft>
-              <a:defRPr>
-                <a:solidFill>
-                  <a:schemeClr val="tx1"/>
-                </a:solidFill>
-                <a:latin typeface="Arial" charset="0"/>
-                <a:ea typeface="Arial" charset="0"/>
-                <a:cs typeface="Arial" charset="0"/>
-              </a:defRPr>
-            </a:lvl6pPr>
-            <a:lvl7pPr marL="2971800" indent="-228600" eaLnBrk="0" fontAlgn="base" hangingPunct="0">
-              <a:spcBef>
-                <a:spcPct val="0"/>
-              </a:spcBef>
-              <a:spcAft>
-                <a:spcPct val="0"/>
-              </a:spcAft>
-              <a:defRPr>
-                <a:solidFill>
-                  <a:schemeClr val="tx1"/>
-                </a:solidFill>
-                <a:latin typeface="Arial" charset="0"/>
-                <a:ea typeface="Arial" charset="0"/>
-                <a:cs typeface="Arial" charset="0"/>
-              </a:defRPr>
-            </a:lvl7pPr>
-            <a:lvl8pPr marL="3429000" indent="-228600" eaLnBrk="0" fontAlgn="base" hangingPunct="0">
-              <a:spcBef>
-                <a:spcPct val="0"/>
-              </a:spcBef>
-              <a:spcAft>
-                <a:spcPct val="0"/>
-              </a:spcAft>
-              <a:defRPr>
-                <a:solidFill>
-                  <a:schemeClr val="tx1"/>
-                </a:solidFill>
-                <a:latin typeface="Arial" charset="0"/>
-                <a:ea typeface="Arial" charset="0"/>
-                <a:cs typeface="Arial" charset="0"/>
-              </a:defRPr>
-            </a:lvl8pPr>
-            <a:lvl9pPr marL="3886200" indent="-228600" eaLnBrk="0" fontAlgn="base" hangingPunct="0">
-              <a:spcBef>
-                <a:spcPct val="0"/>
-              </a:spcBef>
-              <a:spcAft>
-                <a:spcPct val="0"/>
-              </a:spcAft>
-              <a:defRPr>
-                <a:solidFill>
-                  <a:schemeClr val="tx1"/>
-                </a:solidFill>
-                <a:latin typeface="Arial" charset="0"/>
-                <a:ea typeface="Arial" charset="0"/>
-                <a:cs typeface="Arial" charset="0"/>
-              </a:defRPr>
-            </a:lvl9pPr>
-          </a:lstStyle>
-          <a:p>
-            <a:pPr eaLnBrk="1" hangingPunct="1"/>
-            <a:fld id="{4B75234C-93FA-DF4C-B286-14E13D34A7EA}" type="datetime1">
-              <a:rPr lang="en-US" smtClean="0">
-                <a:latin typeface="Garamond" charset="0"/>
-              </a:rPr>
-              <a:t>9/7/16</a:t>
+          <a:lstStyle/>
+          <a:p>
+            <a:fld id="{401B393B-C192-ED4A-B8B9-C7066B2036DC}" type="datetime1">
+              <a:rPr lang="en-US" smtClean="0"/>
+              <a:t>9/12/16</a:t>
             </a:fld>
-            <a:endParaRPr lang="en-US">
-              <a:latin typeface="Garamond" charset="0"/>
-            </a:endParaRPr>
+            <a:endParaRPr lang="en-US"/>
           </a:p>
         </p:txBody>
       </p:sp>
@@ -9836,161 +9594,41 @@
               <a:defRPr/>
             </a:pPr>
             <a:r>
+              <a:rPr lang="en-US" altLang="en-US" smtClean="0"/>
+              <a:t>Microprocessors I:  Lecture 4</a:t>
+            </a:r>
+            <a:endParaRPr lang="en-US" altLang="en-US"/>
+          </a:p>
+        </p:txBody>
+      </p:sp>
+      <p:sp>
+        <p:nvSpPr>
+          <p:cNvPr id="7" name="Slide Number Placeholder 6"/>
+          <p:cNvSpPr>
+            <a:spLocks noGrp="1"/>
+          </p:cNvSpPr>
+          <p:nvPr>
+            <p:ph type="sldNum" sz="quarter" idx="12"/>
+          </p:nvPr>
+        </p:nvSpPr>
+        <p:spPr/>
+        <p:txBody>
+          <a:bodyPr/>
+          <a:lstStyle/>
+          <a:p>
+            <a:fld id="{F7A7E4F6-3BDF-AD40-8581-E4FDB71135A9}" type="slidenum">
               <a:rPr lang="en-US" smtClean="0"/>
-              <a:t>Microprocessors I:  Lecture 4</a:t>
-            </a:r>
-            <a:endParaRPr lang="en-US"/>
-          </a:p>
-        </p:txBody>
-      </p:sp>
-      <p:sp>
-        <p:nvSpPr>
-          <p:cNvPr id="7" name="Slide Number Placeholder 6"/>
-          <p:cNvSpPr>
-            <a:spLocks noGrp="1"/>
-          </p:cNvSpPr>
-          <p:nvPr>
-            <p:ph type="sldNum" sz="quarter" idx="12"/>
-          </p:nvPr>
-        </p:nvSpPr>
-        <p:spPr/>
-        <p:txBody>
-          <a:bodyPr/>
-          <a:lstStyle>
-            <a:lvl1pPr eaLnBrk="0" hangingPunct="0">
-              <a:defRPr>
-                <a:solidFill>
-                  <a:schemeClr val="tx1"/>
-                </a:solidFill>
-                <a:latin typeface="Arial" charset="0"/>
-                <a:ea typeface="ＭＳ Ｐゴシック" charset="0"/>
-                <a:cs typeface="Arial" charset="0"/>
-              </a:defRPr>
-            </a:lvl1pPr>
-            <a:lvl2pPr marL="742950" indent="-285750" eaLnBrk="0" hangingPunct="0">
-              <a:defRPr>
-                <a:solidFill>
-                  <a:schemeClr val="tx1"/>
-                </a:solidFill>
-                <a:latin typeface="Arial" charset="0"/>
-                <a:ea typeface="Arial" charset="0"/>
-                <a:cs typeface="Arial" charset="0"/>
-              </a:defRPr>
-            </a:lvl2pPr>
-            <a:lvl3pPr marL="1143000" indent="-228600" eaLnBrk="0" hangingPunct="0">
-              <a:defRPr>
-                <a:solidFill>
-                  <a:schemeClr val="tx1"/>
-                </a:solidFill>
-                <a:latin typeface="Arial" charset="0"/>
-                <a:ea typeface="Arial" charset="0"/>
-                <a:cs typeface="Arial" charset="0"/>
-              </a:defRPr>
-            </a:lvl3pPr>
-            <a:lvl4pPr marL="1600200" indent="-228600" eaLnBrk="0" hangingPunct="0">
-              <a:defRPr>
-                <a:solidFill>
-                  <a:schemeClr val="tx1"/>
-                </a:solidFill>
-                <a:latin typeface="Arial" charset="0"/>
-                <a:ea typeface="Arial" charset="0"/>
-                <a:cs typeface="Arial" charset="0"/>
-              </a:defRPr>
-            </a:lvl4pPr>
-            <a:lvl5pPr marL="2057400" indent="-228600" eaLnBrk="0" hangingPunct="0">
-              <a:defRPr>
-                <a:solidFill>
-                  <a:schemeClr val="tx1"/>
-                </a:solidFill>
-                <a:latin typeface="Arial" charset="0"/>
-                <a:ea typeface="Arial" charset="0"/>
-                <a:cs typeface="Arial" charset="0"/>
-              </a:defRPr>
-            </a:lvl5pPr>
-            <a:lvl6pPr marL="2514600" indent="-228600" eaLnBrk="0" fontAlgn="base" hangingPunct="0">
-              <a:spcBef>
-                <a:spcPct val="0"/>
-              </a:spcBef>
-              <a:spcAft>
-                <a:spcPct val="0"/>
-              </a:spcAft>
-              <a:defRPr>
-                <a:solidFill>
-                  <a:schemeClr val="tx1"/>
-                </a:solidFill>
-                <a:latin typeface="Arial" charset="0"/>
-                <a:ea typeface="Arial" charset="0"/>
-                <a:cs typeface="Arial" charset="0"/>
-              </a:defRPr>
-            </a:lvl6pPr>
-            <a:lvl7pPr marL="2971800" indent="-228600" eaLnBrk="0" fontAlgn="base" hangingPunct="0">
-              <a:spcBef>
-                <a:spcPct val="0"/>
-              </a:spcBef>
-              <a:spcAft>
-                <a:spcPct val="0"/>
-              </a:spcAft>
-              <a:defRPr>
-                <a:solidFill>
-                  <a:schemeClr val="tx1"/>
-                </a:solidFill>
-                <a:latin typeface="Arial" charset="0"/>
-                <a:ea typeface="Arial" charset="0"/>
-                <a:cs typeface="Arial" charset="0"/>
-              </a:defRPr>
-            </a:lvl7pPr>
-            <a:lvl8pPr marL="3429000" indent="-228600" eaLnBrk="0" fontAlgn="base" hangingPunct="0">
-              <a:spcBef>
-                <a:spcPct val="0"/>
-              </a:spcBef>
-              <a:spcAft>
-                <a:spcPct val="0"/>
-              </a:spcAft>
-              <a:defRPr>
-                <a:solidFill>
-                  <a:schemeClr val="tx1"/>
-                </a:solidFill>
-                <a:latin typeface="Arial" charset="0"/>
-                <a:ea typeface="Arial" charset="0"/>
-                <a:cs typeface="Arial" charset="0"/>
-              </a:defRPr>
-            </a:lvl8pPr>
-            <a:lvl9pPr marL="3886200" indent="-228600" eaLnBrk="0" fontAlgn="base" hangingPunct="0">
-              <a:spcBef>
-                <a:spcPct val="0"/>
-              </a:spcBef>
-              <a:spcAft>
-                <a:spcPct val="0"/>
-              </a:spcAft>
-              <a:defRPr>
-                <a:solidFill>
-                  <a:schemeClr val="tx1"/>
-                </a:solidFill>
-                <a:latin typeface="Arial" charset="0"/>
-                <a:ea typeface="Arial" charset="0"/>
-                <a:cs typeface="Arial" charset="0"/>
-              </a:defRPr>
-            </a:lvl9pPr>
-          </a:lstStyle>
-          <a:p>
-            <a:pPr eaLnBrk="1" hangingPunct="1"/>
-            <a:fld id="{51AAA367-493F-4141-B1DB-9162EA390641}" type="slidenum">
-              <a:rPr lang="en-US">
-                <a:latin typeface="Garamond" charset="0"/>
-              </a:rPr>
-              <a:pPr eaLnBrk="1" hangingPunct="1"/>
+              <a:pPr/>
               <a:t>11</a:t>
             </a:fld>
-            <a:endParaRPr lang="en-US">
-              <a:latin typeface="Garamond" charset="0"/>
-            </a:endParaRPr>
+            <a:endParaRPr lang="en-US"/>
           </a:p>
         </p:txBody>
       </p:sp>
     </p:spTree>
     <p:extLst>
       <p:ext uri="{BB962C8B-B14F-4D97-AF65-F5344CB8AC3E}">
-        <p14:creationId xmlns:p14="http://schemas.microsoft.com/office/powerpoint/2010/main" val="1775519748"/>
+        <p14:creationId xmlns:p14="http://schemas.microsoft.com/office/powerpoint/2010/main" val="1178461788"/>
       </p:ext>
     </p:extLst>
   </p:cSld>
@@ -10026,6 +9664,534 @@
       </p:grpSpPr>
       <p:sp>
         <p:nvSpPr>
+          <p:cNvPr id="17410" name="Rectangle 2"/>
+          <p:cNvSpPr>
+            <a:spLocks noGrp="1" noChangeArrowheads="1"/>
+          </p:cNvSpPr>
+          <p:nvPr>
+            <p:ph type="title"/>
+          </p:nvPr>
+        </p:nvSpPr>
+        <p:spPr/>
+        <p:txBody>
+          <a:bodyPr/>
+          <a:lstStyle/>
+          <a:p>
+            <a:r>
+              <a:rPr lang="en-US" dirty="0" smtClean="0">
+                <a:latin typeface="Garamond" charset="0"/>
+              </a:rPr>
+              <a:t>Pointer/Index </a:t>
+            </a:r>
+            <a:r>
+              <a:rPr lang="en-US" dirty="0">
+                <a:latin typeface="Garamond" charset="0"/>
+              </a:rPr>
+              <a:t>Registers</a:t>
+            </a:r>
+          </a:p>
+        </p:txBody>
+      </p:sp>
+      <p:sp>
+        <p:nvSpPr>
+          <p:cNvPr id="17412" name="Rectangle 3"/>
+          <p:cNvSpPr>
+            <a:spLocks noGrp="1" noChangeArrowheads="1"/>
+          </p:cNvSpPr>
+          <p:nvPr>
+            <p:ph idx="1"/>
+          </p:nvPr>
+        </p:nvSpPr>
+        <p:spPr/>
+        <p:txBody>
+          <a:bodyPr/>
+          <a:lstStyle/>
+          <a:p>
+            <a:r>
+              <a:rPr lang="en-US" dirty="0">
+                <a:latin typeface="Arial" charset="0"/>
+              </a:rPr>
+              <a:t>Two pointer </a:t>
+            </a:r>
+            <a:r>
+              <a:rPr lang="en-US" dirty="0" smtClean="0">
+                <a:latin typeface="Arial" charset="0"/>
+              </a:rPr>
+              <a:t>registers (32-/16-bit versions)</a:t>
+            </a:r>
+            <a:endParaRPr lang="en-US" dirty="0">
+              <a:latin typeface="Arial" charset="0"/>
+            </a:endParaRPr>
+          </a:p>
+          <a:p>
+            <a:pPr lvl="1"/>
+            <a:r>
+              <a:rPr lang="en-US" dirty="0">
+                <a:latin typeface="Arial" charset="0"/>
+              </a:rPr>
+              <a:t>Stack pointer </a:t>
+            </a:r>
+            <a:r>
+              <a:rPr lang="en-US" dirty="0" smtClean="0">
+                <a:latin typeface="Arial" charset="0"/>
+              </a:rPr>
+              <a:t>register (ESP/SP) </a:t>
+            </a:r>
+            <a:endParaRPr lang="en-US" dirty="0">
+              <a:latin typeface="Arial" charset="0"/>
+            </a:endParaRPr>
+          </a:p>
+          <a:p>
+            <a:pPr lvl="2"/>
+            <a:r>
+              <a:rPr lang="en-US" dirty="0" smtClean="0">
+                <a:latin typeface="Arial" charset="0"/>
+              </a:rPr>
+              <a:t>Points </a:t>
+            </a:r>
+            <a:r>
+              <a:rPr lang="en-US" dirty="0">
+                <a:latin typeface="Arial" charset="0"/>
+              </a:rPr>
+              <a:t>to top of stack</a:t>
+            </a:r>
+          </a:p>
+          <a:p>
+            <a:pPr lvl="1"/>
+            <a:r>
+              <a:rPr lang="en-US" dirty="0">
+                <a:latin typeface="Arial" charset="0"/>
+              </a:rPr>
+              <a:t> Base pointer </a:t>
+            </a:r>
+            <a:r>
+              <a:rPr lang="en-US" dirty="0" smtClean="0">
+                <a:latin typeface="Arial" charset="0"/>
+              </a:rPr>
+              <a:t>register (EBP/BP)</a:t>
+            </a:r>
+            <a:endParaRPr lang="en-US" dirty="0">
+              <a:latin typeface="Arial" charset="0"/>
+            </a:endParaRPr>
+          </a:p>
+          <a:p>
+            <a:pPr lvl="2"/>
+            <a:r>
+              <a:rPr lang="en-US" dirty="0" smtClean="0">
+                <a:latin typeface="Arial" charset="0"/>
+              </a:rPr>
+              <a:t>Points </a:t>
+            </a:r>
+            <a:r>
+              <a:rPr lang="en-US" dirty="0">
+                <a:latin typeface="Arial" charset="0"/>
+              </a:rPr>
+              <a:t>to fixed location within current stack </a:t>
+            </a:r>
+            <a:r>
+              <a:rPr lang="en-US" dirty="0" smtClean="0">
+                <a:latin typeface="Arial" charset="0"/>
+              </a:rPr>
+              <a:t>frame</a:t>
+            </a:r>
+          </a:p>
+          <a:p>
+            <a:r>
+              <a:rPr lang="en-US" dirty="0" smtClean="0">
+                <a:latin typeface="Arial" charset="0"/>
+              </a:rPr>
+              <a:t>Two index registers</a:t>
+            </a:r>
+          </a:p>
+          <a:p>
+            <a:pPr lvl="1"/>
+            <a:r>
+              <a:rPr lang="en-US" dirty="0" smtClean="0">
+                <a:latin typeface="Arial" charset="0"/>
+              </a:rPr>
+              <a:t>Source index (ESI/SI)</a:t>
+            </a:r>
+          </a:p>
+          <a:p>
+            <a:pPr lvl="1"/>
+            <a:r>
+              <a:rPr lang="en-US" dirty="0" smtClean="0">
+                <a:latin typeface="Arial" charset="0"/>
+              </a:rPr>
+              <a:t>Destination index (EDI/DI)</a:t>
+            </a:r>
+          </a:p>
+          <a:p>
+            <a:pPr lvl="1"/>
+            <a:r>
+              <a:rPr lang="en-US" dirty="0" smtClean="0">
+                <a:latin typeface="Arial" charset="0"/>
+              </a:rPr>
+              <a:t>Typically used in memory addressing</a:t>
+            </a:r>
+            <a:endParaRPr lang="en-US" dirty="0">
+              <a:latin typeface="Arial" charset="0"/>
+            </a:endParaRPr>
+          </a:p>
+          <a:p>
+            <a:endParaRPr lang="en-US" dirty="0">
+              <a:latin typeface="Arial" charset="0"/>
+            </a:endParaRPr>
+          </a:p>
+        </p:txBody>
+      </p:sp>
+      <p:sp>
+        <p:nvSpPr>
+          <p:cNvPr id="2" name="Date Placeholder 1"/>
+          <p:cNvSpPr>
+            <a:spLocks noGrp="1"/>
+          </p:cNvSpPr>
+          <p:nvPr>
+            <p:ph type="dt" sz="half" idx="10"/>
+          </p:nvPr>
+        </p:nvSpPr>
+        <p:spPr/>
+        <p:txBody>
+          <a:bodyPr/>
+          <a:lstStyle>
+            <a:lvl1pPr eaLnBrk="0" hangingPunct="0">
+              <a:defRPr>
+                <a:solidFill>
+                  <a:schemeClr val="tx1"/>
+                </a:solidFill>
+                <a:latin typeface="Arial" charset="0"/>
+                <a:ea typeface="ＭＳ Ｐゴシック" charset="0"/>
+                <a:cs typeface="Arial" charset="0"/>
+              </a:defRPr>
+            </a:lvl1pPr>
+            <a:lvl2pPr marL="742950" indent="-285750" eaLnBrk="0" hangingPunct="0">
+              <a:defRPr>
+                <a:solidFill>
+                  <a:schemeClr val="tx1"/>
+                </a:solidFill>
+                <a:latin typeface="Arial" charset="0"/>
+                <a:ea typeface="Arial" charset="0"/>
+                <a:cs typeface="Arial" charset="0"/>
+              </a:defRPr>
+            </a:lvl2pPr>
+            <a:lvl3pPr marL="1143000" indent="-228600" eaLnBrk="0" hangingPunct="0">
+              <a:defRPr>
+                <a:solidFill>
+                  <a:schemeClr val="tx1"/>
+                </a:solidFill>
+                <a:latin typeface="Arial" charset="0"/>
+                <a:ea typeface="Arial" charset="0"/>
+                <a:cs typeface="Arial" charset="0"/>
+              </a:defRPr>
+            </a:lvl3pPr>
+            <a:lvl4pPr marL="1600200" indent="-228600" eaLnBrk="0" hangingPunct="0">
+              <a:defRPr>
+                <a:solidFill>
+                  <a:schemeClr val="tx1"/>
+                </a:solidFill>
+                <a:latin typeface="Arial" charset="0"/>
+                <a:ea typeface="Arial" charset="0"/>
+                <a:cs typeface="Arial" charset="0"/>
+              </a:defRPr>
+            </a:lvl4pPr>
+            <a:lvl5pPr marL="2057400" indent="-228600" eaLnBrk="0" hangingPunct="0">
+              <a:defRPr>
+                <a:solidFill>
+                  <a:schemeClr val="tx1"/>
+                </a:solidFill>
+                <a:latin typeface="Arial" charset="0"/>
+                <a:ea typeface="Arial" charset="0"/>
+                <a:cs typeface="Arial" charset="0"/>
+              </a:defRPr>
+            </a:lvl5pPr>
+            <a:lvl6pPr marL="2514600" indent="-228600" eaLnBrk="0" fontAlgn="base" hangingPunct="0">
+              <a:spcBef>
+                <a:spcPct val="0"/>
+              </a:spcBef>
+              <a:spcAft>
+                <a:spcPct val="0"/>
+              </a:spcAft>
+              <a:defRPr>
+                <a:solidFill>
+                  <a:schemeClr val="tx1"/>
+                </a:solidFill>
+                <a:latin typeface="Arial" charset="0"/>
+                <a:ea typeface="Arial" charset="0"/>
+                <a:cs typeface="Arial" charset="0"/>
+              </a:defRPr>
+            </a:lvl6pPr>
+            <a:lvl7pPr marL="2971800" indent="-228600" eaLnBrk="0" fontAlgn="base" hangingPunct="0">
+              <a:spcBef>
+                <a:spcPct val="0"/>
+              </a:spcBef>
+              <a:spcAft>
+                <a:spcPct val="0"/>
+              </a:spcAft>
+              <a:defRPr>
+                <a:solidFill>
+                  <a:schemeClr val="tx1"/>
+                </a:solidFill>
+                <a:latin typeface="Arial" charset="0"/>
+                <a:ea typeface="Arial" charset="0"/>
+                <a:cs typeface="Arial" charset="0"/>
+              </a:defRPr>
+            </a:lvl7pPr>
+            <a:lvl8pPr marL="3429000" indent="-228600" eaLnBrk="0" fontAlgn="base" hangingPunct="0">
+              <a:spcBef>
+                <a:spcPct val="0"/>
+              </a:spcBef>
+              <a:spcAft>
+                <a:spcPct val="0"/>
+              </a:spcAft>
+              <a:defRPr>
+                <a:solidFill>
+                  <a:schemeClr val="tx1"/>
+                </a:solidFill>
+                <a:latin typeface="Arial" charset="0"/>
+                <a:ea typeface="Arial" charset="0"/>
+                <a:cs typeface="Arial" charset="0"/>
+              </a:defRPr>
+            </a:lvl8pPr>
+            <a:lvl9pPr marL="3886200" indent="-228600" eaLnBrk="0" fontAlgn="base" hangingPunct="0">
+              <a:spcBef>
+                <a:spcPct val="0"/>
+              </a:spcBef>
+              <a:spcAft>
+                <a:spcPct val="0"/>
+              </a:spcAft>
+              <a:defRPr>
+                <a:solidFill>
+                  <a:schemeClr val="tx1"/>
+                </a:solidFill>
+                <a:latin typeface="Arial" charset="0"/>
+                <a:ea typeface="Arial" charset="0"/>
+                <a:cs typeface="Arial" charset="0"/>
+              </a:defRPr>
+            </a:lvl9pPr>
+          </a:lstStyle>
+          <a:p>
+            <a:pPr eaLnBrk="1" hangingPunct="1"/>
+            <a:fld id="{4B75234C-93FA-DF4C-B286-14E13D34A7EA}" type="datetime1">
+              <a:rPr lang="en-US" smtClean="0">
+                <a:latin typeface="Garamond" charset="0"/>
+              </a:rPr>
+              <a:t>9/12/16</a:t>
+            </a:fld>
+            <a:endParaRPr lang="en-US">
+              <a:latin typeface="Garamond" charset="0"/>
+            </a:endParaRPr>
+          </a:p>
+        </p:txBody>
+      </p:sp>
+      <p:sp>
+        <p:nvSpPr>
+          <p:cNvPr id="6" name="Footer Placeholder 5"/>
+          <p:cNvSpPr>
+            <a:spLocks noGrp="1"/>
+          </p:cNvSpPr>
+          <p:nvPr>
+            <p:ph type="ftr" sz="quarter" idx="11"/>
+          </p:nvPr>
+        </p:nvSpPr>
+        <p:spPr/>
+        <p:txBody>
+          <a:bodyPr/>
+          <a:lstStyle/>
+          <a:p>
+            <a:pPr>
+              <a:defRPr/>
+            </a:pPr>
+            <a:r>
+              <a:rPr lang="en-US" smtClean="0"/>
+              <a:t>Microprocessors I:  Lecture 4</a:t>
+            </a:r>
+            <a:endParaRPr lang="en-US"/>
+          </a:p>
+        </p:txBody>
+      </p:sp>
+      <p:sp>
+        <p:nvSpPr>
+          <p:cNvPr id="7" name="Slide Number Placeholder 6"/>
+          <p:cNvSpPr>
+            <a:spLocks noGrp="1"/>
+          </p:cNvSpPr>
+          <p:nvPr>
+            <p:ph type="sldNum" sz="quarter" idx="12"/>
+          </p:nvPr>
+        </p:nvSpPr>
+        <p:spPr/>
+        <p:txBody>
+          <a:bodyPr/>
+          <a:lstStyle>
+            <a:lvl1pPr eaLnBrk="0" hangingPunct="0">
+              <a:defRPr>
+                <a:solidFill>
+                  <a:schemeClr val="tx1"/>
+                </a:solidFill>
+                <a:latin typeface="Arial" charset="0"/>
+                <a:ea typeface="ＭＳ Ｐゴシック" charset="0"/>
+                <a:cs typeface="Arial" charset="0"/>
+              </a:defRPr>
+            </a:lvl1pPr>
+            <a:lvl2pPr marL="742950" indent="-285750" eaLnBrk="0" hangingPunct="0">
+              <a:defRPr>
+                <a:solidFill>
+                  <a:schemeClr val="tx1"/>
+                </a:solidFill>
+                <a:latin typeface="Arial" charset="0"/>
+                <a:ea typeface="Arial" charset="0"/>
+                <a:cs typeface="Arial" charset="0"/>
+              </a:defRPr>
+            </a:lvl2pPr>
+            <a:lvl3pPr marL="1143000" indent="-228600" eaLnBrk="0" hangingPunct="0">
+              <a:defRPr>
+                <a:solidFill>
+                  <a:schemeClr val="tx1"/>
+                </a:solidFill>
+                <a:latin typeface="Arial" charset="0"/>
+                <a:ea typeface="Arial" charset="0"/>
+                <a:cs typeface="Arial" charset="0"/>
+              </a:defRPr>
+            </a:lvl3pPr>
+            <a:lvl4pPr marL="1600200" indent="-228600" eaLnBrk="0" hangingPunct="0">
+              <a:defRPr>
+                <a:solidFill>
+                  <a:schemeClr val="tx1"/>
+                </a:solidFill>
+                <a:latin typeface="Arial" charset="0"/>
+                <a:ea typeface="Arial" charset="0"/>
+                <a:cs typeface="Arial" charset="0"/>
+              </a:defRPr>
+            </a:lvl4pPr>
+            <a:lvl5pPr marL="2057400" indent="-228600" eaLnBrk="0" hangingPunct="0">
+              <a:defRPr>
+                <a:solidFill>
+                  <a:schemeClr val="tx1"/>
+                </a:solidFill>
+                <a:latin typeface="Arial" charset="0"/>
+                <a:ea typeface="Arial" charset="0"/>
+                <a:cs typeface="Arial" charset="0"/>
+              </a:defRPr>
+            </a:lvl5pPr>
+            <a:lvl6pPr marL="2514600" indent="-228600" eaLnBrk="0" fontAlgn="base" hangingPunct="0">
+              <a:spcBef>
+                <a:spcPct val="0"/>
+              </a:spcBef>
+              <a:spcAft>
+                <a:spcPct val="0"/>
+              </a:spcAft>
+              <a:defRPr>
+                <a:solidFill>
+                  <a:schemeClr val="tx1"/>
+                </a:solidFill>
+                <a:latin typeface="Arial" charset="0"/>
+                <a:ea typeface="Arial" charset="0"/>
+                <a:cs typeface="Arial" charset="0"/>
+              </a:defRPr>
+            </a:lvl6pPr>
+            <a:lvl7pPr marL="2971800" indent="-228600" eaLnBrk="0" fontAlgn="base" hangingPunct="0">
+              <a:spcBef>
+                <a:spcPct val="0"/>
+              </a:spcBef>
+              <a:spcAft>
+                <a:spcPct val="0"/>
+              </a:spcAft>
+              <a:defRPr>
+                <a:solidFill>
+                  <a:schemeClr val="tx1"/>
+                </a:solidFill>
+                <a:latin typeface="Arial" charset="0"/>
+                <a:ea typeface="Arial" charset="0"/>
+                <a:cs typeface="Arial" charset="0"/>
+              </a:defRPr>
+            </a:lvl7pPr>
+            <a:lvl8pPr marL="3429000" indent="-228600" eaLnBrk="0" fontAlgn="base" hangingPunct="0">
+              <a:spcBef>
+                <a:spcPct val="0"/>
+              </a:spcBef>
+              <a:spcAft>
+                <a:spcPct val="0"/>
+              </a:spcAft>
+              <a:defRPr>
+                <a:solidFill>
+                  <a:schemeClr val="tx1"/>
+                </a:solidFill>
+                <a:latin typeface="Arial" charset="0"/>
+                <a:ea typeface="Arial" charset="0"/>
+                <a:cs typeface="Arial" charset="0"/>
+              </a:defRPr>
+            </a:lvl8pPr>
+            <a:lvl9pPr marL="3886200" indent="-228600" eaLnBrk="0" fontAlgn="base" hangingPunct="0">
+              <a:spcBef>
+                <a:spcPct val="0"/>
+              </a:spcBef>
+              <a:spcAft>
+                <a:spcPct val="0"/>
+              </a:spcAft>
+              <a:defRPr>
+                <a:solidFill>
+                  <a:schemeClr val="tx1"/>
+                </a:solidFill>
+                <a:latin typeface="Arial" charset="0"/>
+                <a:ea typeface="Arial" charset="0"/>
+                <a:cs typeface="Arial" charset="0"/>
+              </a:defRPr>
+            </a:lvl9pPr>
+          </a:lstStyle>
+          <a:p>
+            <a:pPr eaLnBrk="1" hangingPunct="1"/>
+            <a:fld id="{51AAA367-493F-4141-B1DB-9162EA390641}" type="slidenum">
+              <a:rPr lang="en-US">
+                <a:latin typeface="Garamond" charset="0"/>
+              </a:rPr>
+              <a:pPr eaLnBrk="1" hangingPunct="1"/>
+              <a:t>12</a:t>
+            </a:fld>
+            <a:endParaRPr lang="en-US">
+              <a:latin typeface="Garamond" charset="0"/>
+            </a:endParaRPr>
+          </a:p>
+        </p:txBody>
+      </p:sp>
+    </p:spTree>
+    <p:extLst>
+      <p:ext uri="{BB962C8B-B14F-4D97-AF65-F5344CB8AC3E}">
+        <p14:creationId xmlns:p14="http://schemas.microsoft.com/office/powerpoint/2010/main" val="1775519748"/>
+      </p:ext>
+    </p:extLst>
+  </p:cSld>
+  <p:clrMapOvr>
+    <a:masterClrMapping/>
+  </p:clrMapOvr>
+  <p:timing>
+    <p:tnLst>
+      <p:par>
+        <p:cTn xmlns:p14="http://schemas.microsoft.com/office/powerpoint/2010/main" id="1" dur="indefinite" restart="never" nodeType="tmRoot"/>
+      </p:par>
+    </p:tnLst>
+  </p:timing>
+</p:sld>
+</file>
+
+<file path=ppt/slides/slide13.xml><?xml version="1.0" encoding="utf-8"?>
+<p:sld xmlns:a="http://schemas.openxmlformats.org/drawingml/2006/main" xmlns:r="http://schemas.openxmlformats.org/officeDocument/2006/relationships" xmlns:p="http://schemas.openxmlformats.org/presentationml/2006/main">
+  <p:cSld>
+    <p:spTree>
+      <p:nvGrpSpPr>
+        <p:cNvPr id="1" name=""/>
+        <p:cNvGrpSpPr/>
+        <p:nvPr/>
+      </p:nvGrpSpPr>
+      <p:grpSpPr>
+        <a:xfrm>
+          <a:off x="0" y="0"/>
+          <a:ext cx="0" cy="0"/>
+          <a:chOff x="0" y="0"/>
+          <a:chExt cx="0" cy="0"/>
+        </a:xfrm>
+      </p:grpSpPr>
+      <p:sp>
+        <p:nvSpPr>
           <p:cNvPr id="19458" name="Rectangle 2"/>
           <p:cNvSpPr>
             <a:spLocks noGrp="1" noChangeArrowheads="1"/>
@@ -10331,7 +10497,7 @@
               <a:rPr lang="en-US" smtClean="0">
                 <a:latin typeface="Garamond" charset="0"/>
               </a:rPr>
-              <a:t>9/7/16</a:t>
+              <a:t>9/12/16</a:t>
             </a:fld>
             <a:endParaRPr lang="en-US">
               <a:latin typeface="Garamond" charset="0"/>
@@ -10501,7 +10667,7 @@
                 <a:latin typeface="Garamond" charset="0"/>
               </a:rPr>
               <a:pPr eaLnBrk="1" hangingPunct="1"/>
-              <a:t>12</a:t>
+              <a:t>13</a:t>
             </a:fld>
             <a:endParaRPr lang="en-US">
               <a:latin typeface="Garamond" charset="0"/>
@@ -10595,7 +10761,7 @@
 </p:sld>
 </file>
 
-<file path=ppt/slides/slide13.xml><?xml version="1.0" encoding="utf-8"?>
+<file path=ppt/slides/slide14.xml><?xml version="1.0" encoding="utf-8"?>
 <p:sld xmlns:a="http://schemas.openxmlformats.org/drawingml/2006/main" xmlns:r="http://schemas.openxmlformats.org/officeDocument/2006/relationships" xmlns:p="http://schemas.openxmlformats.org/presentationml/2006/main">
   <p:cSld>
     <p:spTree>
@@ -10921,7 +11087,7 @@
               <a:rPr lang="en-US" smtClean="0">
                 <a:latin typeface="Garamond" charset="0"/>
               </a:rPr>
-              <a:t>9/7/16</a:t>
+              <a:t>9/12/16</a:t>
             </a:fld>
             <a:endParaRPr lang="en-US">
               <a:latin typeface="Garamond" charset="0"/>
@@ -11091,7 +11257,7 @@
                 <a:latin typeface="Garamond" charset="0"/>
               </a:rPr>
               <a:pPr eaLnBrk="1" hangingPunct="1"/>
-              <a:t>13</a:t>
+              <a:t>14</a:t>
             </a:fld>
             <a:endParaRPr lang="en-US">
               <a:latin typeface="Garamond" charset="0"/>
@@ -11188,7 +11354,7 @@
 </p:sld>
 </file>
 
-<file path=ppt/slides/slide14.xml><?xml version="1.0" encoding="utf-8"?>
+<file path=ppt/slides/slide15.xml><?xml version="1.0" encoding="utf-8"?>
 <p:sld xmlns:a="http://schemas.openxmlformats.org/drawingml/2006/main" xmlns:r="http://schemas.openxmlformats.org/officeDocument/2006/relationships" xmlns:p="http://schemas.openxmlformats.org/presentationml/2006/main">
   <p:cSld>
     <p:spTree>
@@ -11441,7 +11607,7 @@
               <a:rPr lang="en-US" smtClean="0">
                 <a:latin typeface="Garamond" charset="0"/>
               </a:rPr>
-              <a:t>9/7/16</a:t>
+              <a:t>9/12/16</a:t>
             </a:fld>
             <a:endParaRPr lang="en-US">
               <a:latin typeface="Garamond" charset="0"/>
@@ -11611,7 +11777,7 @@
                 <a:latin typeface="Garamond" charset="0"/>
               </a:rPr>
               <a:pPr eaLnBrk="1" hangingPunct="1"/>
-              <a:t>14</a:t>
+              <a:t>15</a:t>
             </a:fld>
             <a:endParaRPr lang="en-US">
               <a:latin typeface="Garamond" charset="0"/>
@@ -11639,7 +11805,7 @@
 </p:sld>
 </file>
 
-<file path=ppt/slides/slide15.xml><?xml version="1.0" encoding="utf-8"?>
+<file path=ppt/slides/slide16.xml><?xml version="1.0" encoding="utf-8"?>
 <p:sld xmlns:a="http://schemas.openxmlformats.org/drawingml/2006/main" xmlns:r="http://schemas.openxmlformats.org/officeDocument/2006/relationships" xmlns:p="http://schemas.openxmlformats.org/presentationml/2006/main">
   <p:cSld>
     <p:spTree>
@@ -11864,7 +12030,7 @@
               <a:rPr lang="en-US" smtClean="0">
                 <a:latin typeface="Garamond" charset="0"/>
               </a:rPr>
-              <a:t>9/7/16</a:t>
+              <a:t>9/12/16</a:t>
             </a:fld>
             <a:endParaRPr lang="en-US">
               <a:latin typeface="Garamond" charset="0"/>
@@ -12034,7 +12200,7 @@
                 <a:latin typeface="Garamond" charset="0"/>
               </a:rPr>
               <a:pPr eaLnBrk="1" hangingPunct="1"/>
-              <a:t>15</a:t>
+              <a:t>16</a:t>
             </a:fld>
             <a:endParaRPr lang="en-US">
               <a:latin typeface="Garamond" charset="0"/>
@@ -12128,563 +12294,6 @@
 </p:sld>
 </file>
 
-<file path=ppt/slides/slide16.xml><?xml version="1.0" encoding="utf-8"?>
-<p:sld xmlns:a="http://schemas.openxmlformats.org/drawingml/2006/main" xmlns:r="http://schemas.openxmlformats.org/officeDocument/2006/relationships" xmlns:p="http://schemas.openxmlformats.org/presentationml/2006/main">
-  <p:cSld>
-    <p:spTree>
-      <p:nvGrpSpPr>
-        <p:cNvPr id="1" name=""/>
-        <p:cNvGrpSpPr/>
-        <p:nvPr/>
-      </p:nvGrpSpPr>
-      <p:grpSpPr>
-        <a:xfrm>
-          <a:off x="0" y="0"/>
-          <a:ext cx="0" cy="0"/>
-          <a:chOff x="0" y="0"/>
-          <a:chExt cx="0" cy="0"/>
-        </a:xfrm>
-      </p:grpSpPr>
-      <p:sp>
-        <p:nvSpPr>
-          <p:cNvPr id="5122" name="Title 1"/>
-          <p:cNvSpPr>
-            <a:spLocks noGrp="1"/>
-          </p:cNvSpPr>
-          <p:nvPr>
-            <p:ph type="title"/>
-          </p:nvPr>
-        </p:nvSpPr>
-        <p:spPr/>
-        <p:txBody>
-          <a:bodyPr/>
-          <a:lstStyle/>
-          <a:p>
-            <a:r>
-              <a:rPr lang="en-US">
-                <a:latin typeface="Garamond" charset="0"/>
-              </a:rPr>
-              <a:t>x86 addressing modes</a:t>
-            </a:r>
-          </a:p>
-        </p:txBody>
-      </p:sp>
-      <p:sp>
-        <p:nvSpPr>
-          <p:cNvPr id="31747" name="Content Placeholder 2"/>
-          <p:cNvSpPr>
-            <a:spLocks noGrp="1"/>
-          </p:cNvSpPr>
-          <p:nvPr>
-            <p:ph idx="1"/>
-          </p:nvPr>
-        </p:nvSpPr>
-        <p:spPr/>
-        <p:txBody>
-          <a:bodyPr>
-            <a:normAutofit fontScale="85000" lnSpcReduction="10000"/>
-          </a:bodyPr>
-          <a:lstStyle/>
-          <a:p>
-            <a:pPr>
-              <a:buFont typeface="Wingdings" pitchFamily="2" charset="2"/>
-              <a:buChar char="n"/>
-              <a:defRPr/>
-            </a:pPr>
-            <a:r>
-              <a:rPr lang="en-US" dirty="0">
-                <a:ea typeface="+mn-ea"/>
-              </a:rPr>
-              <a:t>Addresses in x86 instructions enclosed by brackets</a:t>
-            </a:r>
-          </a:p>
-          <a:p>
-            <a:pPr>
-              <a:buFont typeface="Wingdings" pitchFamily="2" charset="2"/>
-              <a:buChar char="n"/>
-              <a:defRPr/>
-            </a:pPr>
-            <a:r>
-              <a:rPr lang="en-US" dirty="0" smtClean="0">
-                <a:ea typeface="+mn-ea"/>
-              </a:rPr>
-              <a:t>Addressing modes: all examples of general addressing modes discussed earlier</a:t>
-            </a:r>
-          </a:p>
-          <a:p>
-            <a:pPr>
-              <a:buFont typeface="Wingdings" pitchFamily="2" charset="2"/>
-              <a:buChar char="n"/>
-              <a:defRPr/>
-            </a:pPr>
-            <a:r>
-              <a:rPr lang="en-US" dirty="0" smtClean="0">
-                <a:ea typeface="+mn-ea"/>
-              </a:rPr>
-              <a:t>Direct addressing</a:t>
-            </a:r>
-          </a:p>
-          <a:p>
-            <a:pPr lvl="1">
-              <a:buFont typeface="Wingdings" pitchFamily="2" charset="2"/>
-              <a:buChar char="q"/>
-              <a:defRPr/>
-            </a:pPr>
-            <a:r>
-              <a:rPr lang="en-US" dirty="0" smtClean="0"/>
-              <a:t>EA = constant value</a:t>
-            </a:r>
-          </a:p>
-          <a:p>
-            <a:pPr lvl="1">
-              <a:buFont typeface="Wingdings" pitchFamily="2" charset="2"/>
-              <a:buChar char="q"/>
-              <a:defRPr/>
-            </a:pPr>
-            <a:r>
-              <a:rPr lang="en-US" dirty="0" smtClean="0"/>
-              <a:t>Example: MOV AX, [0100H]</a:t>
-            </a:r>
-          </a:p>
-          <a:p>
-            <a:pPr>
-              <a:buFont typeface="Wingdings" pitchFamily="2" charset="2"/>
-              <a:buChar char="n"/>
-              <a:defRPr/>
-            </a:pPr>
-            <a:r>
-              <a:rPr lang="en-US" dirty="0" smtClean="0">
-                <a:ea typeface="+mn-ea"/>
-              </a:rPr>
-              <a:t>Register indirect addressing</a:t>
-            </a:r>
-          </a:p>
-          <a:p>
-            <a:pPr lvl="1">
-              <a:buFont typeface="Wingdings" pitchFamily="2" charset="2"/>
-              <a:buChar char="q"/>
-              <a:defRPr/>
-            </a:pPr>
-            <a:r>
-              <a:rPr lang="en-US" dirty="0" smtClean="0"/>
-              <a:t>EA = value stored in register</a:t>
-            </a:r>
-          </a:p>
-          <a:p>
-            <a:pPr lvl="1">
-              <a:buFont typeface="Wingdings" pitchFamily="2" charset="2"/>
-              <a:buChar char="q"/>
-              <a:defRPr/>
-            </a:pPr>
-            <a:r>
-              <a:rPr lang="en-US" dirty="0" smtClean="0"/>
-              <a:t>Example: MOV [EDI], AX</a:t>
-            </a:r>
-          </a:p>
-          <a:p>
-            <a:pPr>
-              <a:buFont typeface="Wingdings" pitchFamily="2" charset="2"/>
-              <a:buChar char="n"/>
-              <a:defRPr/>
-            </a:pPr>
-            <a:r>
-              <a:rPr lang="en-US" dirty="0">
-                <a:ea typeface="+mn-ea"/>
-              </a:rPr>
-              <a:t>Base-plus-index addressing</a:t>
-            </a:r>
-          </a:p>
-          <a:p>
-            <a:pPr lvl="1">
-              <a:buFont typeface="Wingdings" pitchFamily="2" charset="2"/>
-              <a:buChar char="q"/>
-              <a:defRPr/>
-            </a:pPr>
-            <a:r>
-              <a:rPr lang="en-US" dirty="0"/>
-              <a:t>EA = </a:t>
-            </a:r>
-            <a:r>
-              <a:rPr lang="en-US" dirty="0" smtClean="0"/>
-              <a:t>sum of two registers</a:t>
-            </a:r>
-            <a:endParaRPr lang="en-US" dirty="0"/>
-          </a:p>
-          <a:p>
-            <a:pPr lvl="1">
-              <a:buFont typeface="Wingdings" pitchFamily="2" charset="2"/>
-              <a:buChar char="q"/>
-              <a:defRPr/>
-            </a:pPr>
-            <a:r>
-              <a:rPr lang="en-US" dirty="0"/>
-              <a:t>Example: MOV AX, </a:t>
-            </a:r>
-            <a:r>
-              <a:rPr lang="en-US" dirty="0" smtClean="0"/>
-              <a:t>[EBX+ESI</a:t>
-            </a:r>
-            <a:r>
-              <a:rPr lang="en-US" dirty="0"/>
-              <a:t>]</a:t>
-            </a:r>
-          </a:p>
-          <a:p>
-            <a:pPr>
-              <a:buFont typeface="Wingdings" pitchFamily="2" charset="2"/>
-              <a:buChar char="n"/>
-              <a:defRPr/>
-            </a:pPr>
-            <a:endParaRPr lang="en-US" dirty="0" smtClean="0">
-              <a:ea typeface="+mn-ea"/>
-            </a:endParaRPr>
-          </a:p>
-          <a:p>
-            <a:pPr lvl="1">
-              <a:buFont typeface="Wingdings" pitchFamily="2" charset="2"/>
-              <a:buChar char="q"/>
-              <a:defRPr/>
-            </a:pPr>
-            <a:endParaRPr lang="en-US" dirty="0" smtClean="0"/>
-          </a:p>
-          <a:p>
-            <a:pPr lvl="1">
-              <a:buFont typeface="Wingdings" pitchFamily="2" charset="2"/>
-              <a:buChar char="q"/>
-              <a:defRPr/>
-            </a:pPr>
-            <a:endParaRPr lang="en-US" dirty="0" smtClean="0"/>
-          </a:p>
-        </p:txBody>
-      </p:sp>
-      <p:sp>
-        <p:nvSpPr>
-          <p:cNvPr id="4" name="Date Placeholder 3"/>
-          <p:cNvSpPr>
-            <a:spLocks noGrp="1"/>
-          </p:cNvSpPr>
-          <p:nvPr>
-            <p:ph type="dt" sz="quarter" idx="10"/>
-          </p:nvPr>
-        </p:nvSpPr>
-        <p:spPr/>
-        <p:txBody>
-          <a:bodyPr/>
-          <a:lstStyle>
-            <a:lvl1pPr eaLnBrk="0" hangingPunct="0">
-              <a:defRPr>
-                <a:solidFill>
-                  <a:schemeClr val="tx1"/>
-                </a:solidFill>
-                <a:latin typeface="Arial" charset="0"/>
-                <a:ea typeface="ＭＳ Ｐゴシック" charset="0"/>
-                <a:cs typeface="Arial" charset="0"/>
-              </a:defRPr>
-            </a:lvl1pPr>
-            <a:lvl2pPr marL="742950" indent="-285750" eaLnBrk="0" hangingPunct="0">
-              <a:defRPr>
-                <a:solidFill>
-                  <a:schemeClr val="tx1"/>
-                </a:solidFill>
-                <a:latin typeface="Arial" charset="0"/>
-                <a:ea typeface="Arial" charset="0"/>
-                <a:cs typeface="Arial" charset="0"/>
-              </a:defRPr>
-            </a:lvl2pPr>
-            <a:lvl3pPr marL="1143000" indent="-228600" eaLnBrk="0" hangingPunct="0">
-              <a:defRPr>
-                <a:solidFill>
-                  <a:schemeClr val="tx1"/>
-                </a:solidFill>
-                <a:latin typeface="Arial" charset="0"/>
-                <a:ea typeface="Arial" charset="0"/>
-                <a:cs typeface="Arial" charset="0"/>
-              </a:defRPr>
-            </a:lvl3pPr>
-            <a:lvl4pPr marL="1600200" indent="-228600" eaLnBrk="0" hangingPunct="0">
-              <a:defRPr>
-                <a:solidFill>
-                  <a:schemeClr val="tx1"/>
-                </a:solidFill>
-                <a:latin typeface="Arial" charset="0"/>
-                <a:ea typeface="Arial" charset="0"/>
-                <a:cs typeface="Arial" charset="0"/>
-              </a:defRPr>
-            </a:lvl4pPr>
-            <a:lvl5pPr marL="2057400" indent="-228600" eaLnBrk="0" hangingPunct="0">
-              <a:defRPr>
-                <a:solidFill>
-                  <a:schemeClr val="tx1"/>
-                </a:solidFill>
-                <a:latin typeface="Arial" charset="0"/>
-                <a:ea typeface="Arial" charset="0"/>
-                <a:cs typeface="Arial" charset="0"/>
-              </a:defRPr>
-            </a:lvl5pPr>
-            <a:lvl6pPr marL="2514600" indent="-228600" eaLnBrk="0" fontAlgn="base" hangingPunct="0">
-              <a:spcBef>
-                <a:spcPct val="0"/>
-              </a:spcBef>
-              <a:spcAft>
-                <a:spcPct val="0"/>
-              </a:spcAft>
-              <a:defRPr>
-                <a:solidFill>
-                  <a:schemeClr val="tx1"/>
-                </a:solidFill>
-                <a:latin typeface="Arial" charset="0"/>
-                <a:ea typeface="Arial" charset="0"/>
-                <a:cs typeface="Arial" charset="0"/>
-              </a:defRPr>
-            </a:lvl6pPr>
-            <a:lvl7pPr marL="2971800" indent="-228600" eaLnBrk="0" fontAlgn="base" hangingPunct="0">
-              <a:spcBef>
-                <a:spcPct val="0"/>
-              </a:spcBef>
-              <a:spcAft>
-                <a:spcPct val="0"/>
-              </a:spcAft>
-              <a:defRPr>
-                <a:solidFill>
-                  <a:schemeClr val="tx1"/>
-                </a:solidFill>
-                <a:latin typeface="Arial" charset="0"/>
-                <a:ea typeface="Arial" charset="0"/>
-                <a:cs typeface="Arial" charset="0"/>
-              </a:defRPr>
-            </a:lvl7pPr>
-            <a:lvl8pPr marL="3429000" indent="-228600" eaLnBrk="0" fontAlgn="base" hangingPunct="0">
-              <a:spcBef>
-                <a:spcPct val="0"/>
-              </a:spcBef>
-              <a:spcAft>
-                <a:spcPct val="0"/>
-              </a:spcAft>
-              <a:defRPr>
-                <a:solidFill>
-                  <a:schemeClr val="tx1"/>
-                </a:solidFill>
-                <a:latin typeface="Arial" charset="0"/>
-                <a:ea typeface="Arial" charset="0"/>
-                <a:cs typeface="Arial" charset="0"/>
-              </a:defRPr>
-            </a:lvl8pPr>
-            <a:lvl9pPr marL="3886200" indent="-228600" eaLnBrk="0" fontAlgn="base" hangingPunct="0">
-              <a:spcBef>
-                <a:spcPct val="0"/>
-              </a:spcBef>
-              <a:spcAft>
-                <a:spcPct val="0"/>
-              </a:spcAft>
-              <a:defRPr>
-                <a:solidFill>
-                  <a:schemeClr val="tx1"/>
-                </a:solidFill>
-                <a:latin typeface="Arial" charset="0"/>
-                <a:ea typeface="Arial" charset="0"/>
-                <a:cs typeface="Arial" charset="0"/>
-              </a:defRPr>
-            </a:lvl9pPr>
-          </a:lstStyle>
-          <a:p>
-            <a:pPr eaLnBrk="1" hangingPunct="1"/>
-            <a:fld id="{AC08CAB7-B9B8-804F-8920-2338E3B75C33}" type="datetime1">
-              <a:rPr lang="en-US" smtClean="0">
-                <a:latin typeface="Garamond" charset="0"/>
-              </a:rPr>
-              <a:t>9/7/16</a:t>
-            </a:fld>
-            <a:endParaRPr lang="en-US">
-              <a:latin typeface="Garamond" charset="0"/>
-            </a:endParaRPr>
-          </a:p>
-        </p:txBody>
-      </p:sp>
-      <p:sp>
-        <p:nvSpPr>
-          <p:cNvPr id="5" name="Footer Placeholder 4"/>
-          <p:cNvSpPr>
-            <a:spLocks noGrp="1"/>
-          </p:cNvSpPr>
-          <p:nvPr>
-            <p:ph type="ftr" sz="quarter" idx="11"/>
-          </p:nvPr>
-        </p:nvSpPr>
-        <p:spPr/>
-        <p:txBody>
-          <a:bodyPr/>
-          <a:lstStyle/>
-          <a:p>
-            <a:pPr>
-              <a:defRPr/>
-            </a:pPr>
-            <a:r>
-              <a:rPr lang="en-US" altLang="en-US" smtClean="0"/>
-              <a:t>Microprocessors I:  Lecture 4</a:t>
-            </a:r>
-            <a:endParaRPr lang="en-US" altLang="en-US"/>
-          </a:p>
-        </p:txBody>
-      </p:sp>
-      <p:sp>
-        <p:nvSpPr>
-          <p:cNvPr id="6" name="Slide Number Placeholder 5"/>
-          <p:cNvSpPr>
-            <a:spLocks noGrp="1"/>
-          </p:cNvSpPr>
-          <p:nvPr>
-            <p:ph type="sldNum" sz="quarter" idx="12"/>
-          </p:nvPr>
-        </p:nvSpPr>
-        <p:spPr/>
-        <p:txBody>
-          <a:bodyPr/>
-          <a:lstStyle>
-            <a:lvl1pPr eaLnBrk="0" hangingPunct="0">
-              <a:defRPr>
-                <a:solidFill>
-                  <a:schemeClr val="tx1"/>
-                </a:solidFill>
-                <a:latin typeface="Arial" charset="0"/>
-                <a:ea typeface="ＭＳ Ｐゴシック" charset="0"/>
-                <a:cs typeface="Arial" charset="0"/>
-              </a:defRPr>
-            </a:lvl1pPr>
-            <a:lvl2pPr marL="742950" indent="-285750" eaLnBrk="0" hangingPunct="0">
-              <a:defRPr>
-                <a:solidFill>
-                  <a:schemeClr val="tx1"/>
-                </a:solidFill>
-                <a:latin typeface="Arial" charset="0"/>
-                <a:ea typeface="Arial" charset="0"/>
-                <a:cs typeface="Arial" charset="0"/>
-              </a:defRPr>
-            </a:lvl2pPr>
-            <a:lvl3pPr marL="1143000" indent="-228600" eaLnBrk="0" hangingPunct="0">
-              <a:defRPr>
-                <a:solidFill>
-                  <a:schemeClr val="tx1"/>
-                </a:solidFill>
-                <a:latin typeface="Arial" charset="0"/>
-                <a:ea typeface="Arial" charset="0"/>
-                <a:cs typeface="Arial" charset="0"/>
-              </a:defRPr>
-            </a:lvl3pPr>
-            <a:lvl4pPr marL="1600200" indent="-228600" eaLnBrk="0" hangingPunct="0">
-              <a:defRPr>
-                <a:solidFill>
-                  <a:schemeClr val="tx1"/>
-                </a:solidFill>
-                <a:latin typeface="Arial" charset="0"/>
-                <a:ea typeface="Arial" charset="0"/>
-                <a:cs typeface="Arial" charset="0"/>
-              </a:defRPr>
-            </a:lvl4pPr>
-            <a:lvl5pPr marL="2057400" indent="-228600" eaLnBrk="0" hangingPunct="0">
-              <a:defRPr>
-                <a:solidFill>
-                  <a:schemeClr val="tx1"/>
-                </a:solidFill>
-                <a:latin typeface="Arial" charset="0"/>
-                <a:ea typeface="Arial" charset="0"/>
-                <a:cs typeface="Arial" charset="0"/>
-              </a:defRPr>
-            </a:lvl5pPr>
-            <a:lvl6pPr marL="2514600" indent="-228600" eaLnBrk="0" fontAlgn="base" hangingPunct="0">
-              <a:spcBef>
-                <a:spcPct val="0"/>
-              </a:spcBef>
-              <a:spcAft>
-                <a:spcPct val="0"/>
-              </a:spcAft>
-              <a:defRPr>
-                <a:solidFill>
-                  <a:schemeClr val="tx1"/>
-                </a:solidFill>
-                <a:latin typeface="Arial" charset="0"/>
-                <a:ea typeface="Arial" charset="0"/>
-                <a:cs typeface="Arial" charset="0"/>
-              </a:defRPr>
-            </a:lvl6pPr>
-            <a:lvl7pPr marL="2971800" indent="-228600" eaLnBrk="0" fontAlgn="base" hangingPunct="0">
-              <a:spcBef>
-                <a:spcPct val="0"/>
-              </a:spcBef>
-              <a:spcAft>
-                <a:spcPct val="0"/>
-              </a:spcAft>
-              <a:defRPr>
-                <a:solidFill>
-                  <a:schemeClr val="tx1"/>
-                </a:solidFill>
-                <a:latin typeface="Arial" charset="0"/>
-                <a:ea typeface="Arial" charset="0"/>
-                <a:cs typeface="Arial" charset="0"/>
-              </a:defRPr>
-            </a:lvl7pPr>
-            <a:lvl8pPr marL="3429000" indent="-228600" eaLnBrk="0" fontAlgn="base" hangingPunct="0">
-              <a:spcBef>
-                <a:spcPct val="0"/>
-              </a:spcBef>
-              <a:spcAft>
-                <a:spcPct val="0"/>
-              </a:spcAft>
-              <a:defRPr>
-                <a:solidFill>
-                  <a:schemeClr val="tx1"/>
-                </a:solidFill>
-                <a:latin typeface="Arial" charset="0"/>
-                <a:ea typeface="Arial" charset="0"/>
-                <a:cs typeface="Arial" charset="0"/>
-              </a:defRPr>
-            </a:lvl8pPr>
-            <a:lvl9pPr marL="3886200" indent="-228600" eaLnBrk="0" fontAlgn="base" hangingPunct="0">
-              <a:spcBef>
-                <a:spcPct val="0"/>
-              </a:spcBef>
-              <a:spcAft>
-                <a:spcPct val="0"/>
-              </a:spcAft>
-              <a:defRPr>
-                <a:solidFill>
-                  <a:schemeClr val="tx1"/>
-                </a:solidFill>
-                <a:latin typeface="Arial" charset="0"/>
-                <a:ea typeface="Arial" charset="0"/>
-                <a:cs typeface="Arial" charset="0"/>
-              </a:defRPr>
-            </a:lvl9pPr>
-          </a:lstStyle>
-          <a:p>
-            <a:pPr eaLnBrk="1" hangingPunct="1"/>
-            <a:fld id="{39626A25-D182-4447-B5BB-F6500AF27418}" type="slidenum">
-              <a:rPr lang="en-US">
-                <a:latin typeface="Garamond" charset="0"/>
-              </a:rPr>
-              <a:pPr eaLnBrk="1" hangingPunct="1"/>
-              <a:t>16</a:t>
-            </a:fld>
-            <a:endParaRPr lang="en-US">
-              <a:latin typeface="Garamond" charset="0"/>
-            </a:endParaRPr>
-          </a:p>
-        </p:txBody>
-      </p:sp>
-    </p:spTree>
-  </p:cSld>
-  <p:clrMapOvr>
-    <a:masterClrMapping/>
-  </p:clrMapOvr>
-  <p:timing>
-    <p:tnLst>
-      <p:par>
-        <p:cTn xmlns:p14="http://schemas.microsoft.com/office/powerpoint/2010/main" id="1" dur="indefinite" restart="never" nodeType="tmRoot"/>
-      </p:par>
-    </p:tnLst>
-  </p:timing>
-</p:sld>
-</file>
-
 <file path=ppt/slides/slide17.xml><?xml version="1.0" encoding="utf-8"?>
 <p:sld xmlns:a="http://schemas.openxmlformats.org/drawingml/2006/main" xmlns:r="http://schemas.openxmlformats.org/officeDocument/2006/relationships" xmlns:p="http://schemas.openxmlformats.org/presentationml/2006/main">
   <p:cSld>
@@ -12704,7 +12313,7 @@
       </p:grpSpPr>
       <p:sp>
         <p:nvSpPr>
-          <p:cNvPr id="6146" name="Title 1"/>
+          <p:cNvPr id="5122" name="Title 1"/>
           <p:cNvSpPr>
             <a:spLocks noGrp="1"/>
           </p:cNvSpPr>
@@ -12721,14 +12330,14 @@
               <a:rPr lang="en-US">
                 <a:latin typeface="Garamond" charset="0"/>
               </a:rPr>
-              <a:t>x86 addressing modes (cont.)</a:t>
-            </a:r>
-          </a:p>
-        </p:txBody>
-      </p:sp>
-      <p:sp>
-        <p:nvSpPr>
-          <p:cNvPr id="3" name="Content Placeholder 2"/>
+              <a:t>x86 addressing modes</a:t>
+            </a:r>
+          </a:p>
+        </p:txBody>
+      </p:sp>
+      <p:sp>
+        <p:nvSpPr>
+          <p:cNvPr id="31747" name="Content Placeholder 2"/>
           <p:cNvSpPr>
             <a:spLocks noGrp="1"/>
           </p:cNvSpPr>
@@ -12739,7 +12348,7 @@
         <p:spPr/>
         <p:txBody>
           <a:bodyPr>
-            <a:normAutofit fontScale="85000" lnSpcReduction="20000"/>
+            <a:normAutofit fontScale="85000" lnSpcReduction="10000"/>
           </a:bodyPr>
           <a:lstStyle/>
           <a:p>
@@ -12749,10 +12358,36 @@
               <a:defRPr/>
             </a:pPr>
             <a:r>
+              <a:rPr lang="en-US" dirty="0">
+                <a:ea typeface="+mn-ea"/>
+              </a:rPr>
+              <a:t>Addresses in x86 instructions enclosed by brackets</a:t>
+            </a:r>
+          </a:p>
+          <a:p>
+            <a:pPr>
+              <a:buFont typeface="Wingdings" pitchFamily="2" charset="2"/>
+              <a:buChar char="n"/>
+              <a:defRPr/>
+            </a:pPr>
+            <a:r>
               <a:rPr lang="en-US" dirty="0" smtClean="0">
                 <a:ea typeface="+mn-ea"/>
               </a:rPr>
-              <a:t>Register relative addressing</a:t>
+              <a:t>Addressing modes: all examples of general addressing modes discussed earlier</a:t>
+            </a:r>
+          </a:p>
+          <a:p>
+            <a:pPr>
+              <a:buFont typeface="Wingdings" pitchFamily="2" charset="2"/>
+              <a:buChar char="n"/>
+              <a:defRPr/>
+            </a:pPr>
+            <a:r>
+              <a:rPr lang="en-US" dirty="0" smtClean="0">
+                <a:ea typeface="+mn-ea"/>
+              </a:rPr>
+              <a:t>Direct addressing</a:t>
             </a:r>
           </a:p>
           <a:p>
@@ -12763,7 +12398,7 @@
             </a:pPr>
             <a:r>
               <a:rPr lang="en-US" dirty="0" smtClean="0"/>
-              <a:t>EA = register + constant</a:t>
+              <a:t>EA = constant value</a:t>
             </a:r>
           </a:p>
           <a:p>
@@ -12774,33 +12409,7 @@
             </a:pPr>
             <a:r>
               <a:rPr lang="en-US" dirty="0" smtClean="0"/>
-              <a:t>Examples: </a:t>
-            </a:r>
-          </a:p>
-          <a:p>
-            <a:pPr lvl="2">
-              <a:buFont typeface="Wingdings" pitchFamily="2" charset="2"/>
-              <a:buChar char="n"/>
-              <a:defRPr/>
-            </a:pPr>
-            <a:r>
-              <a:rPr lang="en-US" dirty="0" smtClean="0"/>
-              <a:t>MOV CL, [EBX+4]</a:t>
-            </a:r>
-          </a:p>
-          <a:p>
-            <a:pPr lvl="2">
-              <a:buFont typeface="Wingdings" pitchFamily="2" charset="2"/>
-              <a:buChar char="n"/>
-              <a:defRPr/>
-            </a:pPr>
-            <a:r>
-              <a:rPr lang="en-US" dirty="0" smtClean="0"/>
-              <a:t>MOV AX, ARRAY[EBX]   </a:t>
-            </a:r>
-            <a:r>
-              <a:rPr lang="en-US" i="1" dirty="0" smtClean="0"/>
-              <a:t>ARRAY is constant memory location</a:t>
+              <a:t>Example: MOV AX, [0x0100]</a:t>
             </a:r>
           </a:p>
           <a:p>
@@ -12813,7 +12422,7 @@
               <a:rPr lang="en-US" dirty="0" smtClean="0">
                 <a:ea typeface="+mn-ea"/>
               </a:rPr>
-              <a:t>Base relative-plus-index addressing</a:t>
+              <a:t>Register indirect addressing</a:t>
             </a:r>
           </a:p>
           <a:p>
@@ -12824,7 +12433,7 @@
             </a:pPr>
             <a:r>
               <a:rPr lang="en-US" dirty="0" smtClean="0"/>
-              <a:t>EA = base register + index register + constant</a:t>
+              <a:t>EA = value stored in register</a:t>
             </a:r>
           </a:p>
           <a:p>
@@ -12835,22 +12444,7 @@
             </a:pPr>
             <a:r>
               <a:rPr lang="en-US" dirty="0" smtClean="0"/>
-              <a:t>Example: MOV AX, 10H[ESI][EBX] -or- </a:t>
-            </a:r>
-          </a:p>
-          <a:p>
-            <a:pPr marL="344487" lvl="1" indent="0">
-              <a:buFont typeface="Wingdings" pitchFamily="2" charset="2"/>
-              <a:buNone/>
-              <a:defRPr/>
-            </a:pPr>
-            <a:r>
-              <a:rPr lang="en-US" dirty="0"/>
-              <a:t>	</a:t>
-            </a:r>
-            <a:r>
-              <a:rPr lang="en-US" dirty="0" smtClean="0"/>
-              <a:t>	 MOV AX, [10H+SI+BX]</a:t>
+              <a:t>Example: MOV [EDI], AX</a:t>
             </a:r>
           </a:p>
           <a:p>
@@ -12860,10 +12454,10 @@
               <a:defRPr/>
             </a:pPr>
             <a:r>
-              <a:rPr lang="en-US" dirty="0" smtClean="0">
+              <a:rPr lang="en-US" dirty="0">
                 <a:ea typeface="+mn-ea"/>
               </a:rPr>
-              <a:t>Scaled-index addressing</a:t>
+              <a:t>Base-plus-index addressing</a:t>
             </a:r>
           </a:p>
           <a:p>
@@ -12873,9 +12467,14 @@
               <a:defRPr/>
             </a:pPr>
             <a:r>
+              <a:rPr lang="en-US" dirty="0"/>
+              <a:t>EA = </a:t>
+            </a:r>
+            <a:r>
               <a:rPr lang="en-US" dirty="0" smtClean="0"/>
-              <a:t>EA = register + (scaling factor * second register)</a:t>
-            </a:r>
+              <a:t>sum of two registers</a:t>
+            </a:r>
+            <a:endParaRPr lang="en-US" dirty="0"/>
           </a:p>
           <a:p>
             <a:pPr lvl="1">
@@ -12884,20 +12483,27 @@
               <a:defRPr/>
             </a:pPr>
             <a:r>
+              <a:rPr lang="en-US" dirty="0"/>
+              <a:t>Example: MOV AX, </a:t>
+            </a:r>
+            <a:r>
               <a:rPr lang="en-US" dirty="0" smtClean="0"/>
-              <a:t>Often useful for array accesses</a:t>
-            </a:r>
-          </a:p>
-          <a:p>
-            <a:pPr lvl="2">
+              <a:t>[EBX+ESI</a:t>
+            </a:r>
+            <a:r>
+              <a:rPr lang="en-US" dirty="0"/>
+              <a:t>]</a:t>
+            </a:r>
+          </a:p>
+          <a:p>
+            <a:pPr>
               <a:buFont typeface="Wingdings" pitchFamily="2" charset="2"/>
               <a:buChar char="n"/>
               <a:defRPr/>
             </a:pPr>
-            <a:r>
-              <a:rPr lang="en-US" dirty="0" smtClean="0"/>
-              <a:t>Scaling factor = element size (2, 4, 8 bytes)</a:t>
-            </a:r>
+            <a:endParaRPr lang="en-US" dirty="0" smtClean="0">
+              <a:ea typeface="+mn-ea"/>
+            </a:endParaRPr>
           </a:p>
           <a:p>
             <a:pPr lvl="1">
@@ -12905,10 +12511,7 @@
               <a:buChar char="q"/>
               <a:defRPr/>
             </a:pPr>
-            <a:r>
-              <a:rPr lang="en-US" dirty="0" smtClean="0"/>
-              <a:t>Example: MOV EDX, [EAX + 4*EBX]</a:t>
-            </a:r>
+            <a:endParaRPr lang="en-US" dirty="0" smtClean="0"/>
           </a:p>
           <a:p>
             <a:pPr lvl="1">
@@ -12916,7 +12519,7 @@
               <a:buChar char="q"/>
               <a:defRPr/>
             </a:pPr>
-            <a:endParaRPr lang="en-US" dirty="0"/>
+            <a:endParaRPr lang="en-US" dirty="0" smtClean="0"/>
           </a:p>
         </p:txBody>
       </p:sp>
@@ -13051,11 +12654,11 @@
           </a:lstStyle>
           <a:p>
             <a:pPr eaLnBrk="1" hangingPunct="1"/>
-            <a:fld id="{A78B53BE-0236-D44D-B805-80AC0B7FA2FA}" type="datetime1">
+            <a:fld id="{AC08CAB7-B9B8-804F-8920-2338E3B75C33}" type="datetime1">
               <a:rPr lang="en-US" smtClean="0">
                 <a:latin typeface="Garamond" charset="0"/>
               </a:rPr>
-              <a:t>9/7/16</a:t>
+              <a:t>9/12/16</a:t>
             </a:fld>
             <a:endParaRPr lang="en-US">
               <a:latin typeface="Garamond" charset="0"/>
@@ -13220,7 +12823,7 @@
           </a:lstStyle>
           <a:p>
             <a:pPr eaLnBrk="1" hangingPunct="1"/>
-            <a:fld id="{EA6DB83C-FB40-1543-9B1D-090604D26630}" type="slidenum">
+            <a:fld id="{39626A25-D182-4447-B5BB-F6500AF27418}" type="slidenum">
               <a:rPr lang="en-US">
                 <a:latin typeface="Garamond" charset="0"/>
               </a:rPr>
@@ -13267,7 +12870,7 @@
       </p:grpSpPr>
       <p:sp>
         <p:nvSpPr>
-          <p:cNvPr id="7170" name="Title 1"/>
+          <p:cNvPr id="6146" name="Title 1"/>
           <p:cNvSpPr>
             <a:spLocks noGrp="1"/>
           </p:cNvSpPr>
@@ -13284,7 +12887,7 @@
               <a:rPr lang="en-US">
                 <a:latin typeface="Garamond" charset="0"/>
               </a:rPr>
-              <a:t>Example</a:t>
+              <a:t>x86 addressing modes (cont.)</a:t>
             </a:r>
           </a:p>
         </p:txBody>
@@ -13302,218 +12905,192 @@
         <p:spPr/>
         <p:txBody>
           <a:bodyPr>
-            <a:normAutofit lnSpcReduction="10000"/>
+            <a:normAutofit fontScale="85000" lnSpcReduction="20000"/>
           </a:bodyPr>
           <a:lstStyle/>
           <a:p>
             <a:pPr>
-              <a:lnSpc>
-                <a:spcPct val="80000"/>
-              </a:lnSpc>
+              <a:buFont typeface="Wingdings" pitchFamily="2" charset="2"/>
+              <a:buChar char="n"/>
+              <a:defRPr/>
             </a:pPr>
             <a:r>
-              <a:rPr lang="en-US" dirty="0">
-                <a:latin typeface="Arial" charset="0"/>
-              </a:rPr>
-              <a:t>Compute the address for the </a:t>
-            </a:r>
-            <a:r>
               <a:rPr lang="en-US" dirty="0" smtClean="0">
-                <a:latin typeface="Arial" charset="0"/>
-              </a:rPr>
-              <a:t>memory operand </a:t>
-            </a:r>
-            <a:r>
-              <a:rPr lang="en-US" dirty="0">
-                <a:latin typeface="Arial" charset="0"/>
-              </a:rPr>
-              <a:t>in each of the following instructions</a:t>
-            </a:r>
+                <a:ea typeface="+mn-ea"/>
+              </a:rPr>
+              <a:t>Register relative addressing</a:t>
+            </a:r>
+          </a:p>
+          <a:p>
+            <a:pPr lvl="1">
+              <a:buFont typeface="Wingdings" pitchFamily="2" charset="2"/>
+              <a:buChar char="q"/>
+              <a:defRPr/>
+            </a:pPr>
+            <a:r>
+              <a:rPr lang="en-US" dirty="0" smtClean="0"/>
+              <a:t>EA = register + constant</a:t>
+            </a:r>
+          </a:p>
+          <a:p>
+            <a:pPr lvl="1">
+              <a:buFont typeface="Wingdings" pitchFamily="2" charset="2"/>
+              <a:buChar char="q"/>
+              <a:defRPr/>
+            </a:pPr>
+            <a:r>
+              <a:rPr lang="en-US" dirty="0" smtClean="0"/>
+              <a:t>Examples: </a:t>
+            </a:r>
+          </a:p>
+          <a:p>
+            <a:pPr lvl="2">
+              <a:buFont typeface="Wingdings" pitchFamily="2" charset="2"/>
+              <a:buChar char="n"/>
+              <a:defRPr/>
+            </a:pPr>
+            <a:r>
+              <a:rPr lang="en-US" dirty="0" smtClean="0"/>
+              <a:t>MOV CL, [EBX+4]</a:t>
+            </a:r>
+          </a:p>
+          <a:p>
+            <a:pPr lvl="2">
+              <a:buFont typeface="Wingdings" pitchFamily="2" charset="2"/>
+              <a:buChar char="n"/>
+              <a:defRPr/>
+            </a:pPr>
+            <a:r>
+              <a:rPr lang="en-US" dirty="0" smtClean="0"/>
+              <a:t>MOV AX, ARRAY[EBX]   </a:t>
+            </a:r>
+            <a:r>
+              <a:rPr lang="en-US" i="1" dirty="0" smtClean="0"/>
+              <a:t>ARRAY is constant memory location</a:t>
+            </a:r>
+          </a:p>
+          <a:p>
+            <a:pPr>
+              <a:buFont typeface="Wingdings" pitchFamily="2" charset="2"/>
+              <a:buChar char="n"/>
+              <a:defRPr/>
+            </a:pPr>
             <a:r>
               <a:rPr lang="en-US" dirty="0" smtClean="0">
-                <a:latin typeface="Arial" charset="0"/>
-              </a:rPr>
-              <a:t>.</a:t>
+                <a:ea typeface="+mn-ea"/>
+              </a:rPr>
+              <a:t>Base relative-plus-index addressing</a:t>
             </a:r>
           </a:p>
           <a:p>
             <a:pPr lvl="1">
-              <a:lnSpc>
-                <a:spcPct val="80000"/>
-              </a:lnSpc>
+              <a:buFont typeface="Wingdings" pitchFamily="2" charset="2"/>
+              <a:buChar char="q"/>
+              <a:defRPr/>
             </a:pPr>
             <a:r>
+              <a:rPr lang="en-US" dirty="0" smtClean="0"/>
+              <a:t>EA = base register + index register + constant</a:t>
+            </a:r>
+          </a:p>
+          <a:p>
+            <a:pPr lvl="1">
+              <a:buFont typeface="Wingdings" pitchFamily="2" charset="2"/>
+              <a:buChar char="q"/>
+              <a:defRPr/>
+            </a:pPr>
+            <a:r>
+              <a:rPr lang="en-US" dirty="0" smtClean="0"/>
+              <a:t>Example: MOV AX, 0x10[ESI][EBX] -or- </a:t>
+            </a:r>
+          </a:p>
+          <a:p>
+            <a:pPr marL="344487" lvl="1" indent="0">
+              <a:buFont typeface="Wingdings" pitchFamily="2" charset="2"/>
+              <a:buNone/>
+              <a:defRPr/>
+            </a:pPr>
+            <a:r>
+              <a:rPr lang="en-US" dirty="0"/>
+              <a:t>	</a:t>
+            </a:r>
+            <a:r>
+              <a:rPr lang="en-US" dirty="0" smtClean="0"/>
+              <a:t>	 MOV AX</a:t>
+            </a:r>
+            <a:r>
+              <a:rPr lang="en-US" smtClean="0"/>
+              <a:t>, [0x10+SI+BX</a:t>
+            </a:r>
+            <a:r>
+              <a:rPr lang="en-US" dirty="0" smtClean="0"/>
+              <a:t>]</a:t>
+            </a:r>
+          </a:p>
+          <a:p>
+            <a:pPr>
+              <a:buFont typeface="Wingdings" pitchFamily="2" charset="2"/>
+              <a:buChar char="n"/>
+              <a:defRPr/>
+            </a:pPr>
+            <a:r>
               <a:rPr lang="en-US" dirty="0" smtClean="0">
-                <a:latin typeface="Arial" charset="0"/>
-              </a:rPr>
-              <a:t>You do not need to specify what data </a:t>
-            </a:r>
-            <a:r>
-              <a:rPr lang="en-US" smtClean="0">
-                <a:latin typeface="Arial" charset="0"/>
-              </a:rPr>
-              <a:t>is transferred </a:t>
-            </a:r>
-            <a:endParaRPr lang="en-US" dirty="0" smtClean="0">
-              <a:latin typeface="Arial" charset="0"/>
-            </a:endParaRPr>
-          </a:p>
-          <a:p>
-            <a:pPr>
-              <a:lnSpc>
-                <a:spcPct val="80000"/>
-              </a:lnSpc>
+                <a:ea typeface="+mn-ea"/>
+              </a:rPr>
+              <a:t>Scaled-index addressing</a:t>
+            </a:r>
+          </a:p>
+          <a:p>
+            <a:pPr lvl="1">
+              <a:buFont typeface="Wingdings" pitchFamily="2" charset="2"/>
+              <a:buChar char="q"/>
+              <a:defRPr/>
             </a:pPr>
             <a:r>
-              <a:rPr lang="en-US" dirty="0" smtClean="0">
-                <a:latin typeface="Arial" charset="0"/>
-              </a:rPr>
-              <a:t>The </a:t>
-            </a:r>
-            <a:r>
-              <a:rPr lang="en-US" dirty="0">
-                <a:latin typeface="Arial" charset="0"/>
-              </a:rPr>
-              <a:t>register contents and variables are as follows:</a:t>
+              <a:rPr lang="en-US" dirty="0" smtClean="0"/>
+              <a:t>EA = register + (scaling factor * second register)</a:t>
             </a:r>
           </a:p>
           <a:p>
             <a:pPr lvl="1">
-              <a:lnSpc>
-                <a:spcPct val="80000"/>
-              </a:lnSpc>
+              <a:buFont typeface="Wingdings" pitchFamily="2" charset="2"/>
+              <a:buChar char="q"/>
+              <a:defRPr/>
             </a:pPr>
             <a:r>
-              <a:rPr lang="en-US" dirty="0">
-                <a:latin typeface="Arial" charset="0"/>
-              </a:rPr>
-              <a:t>(ESI) = 00000100</a:t>
-            </a:r>
-            <a:r>
-              <a:rPr lang="en-US" baseline="-25000" dirty="0">
-                <a:latin typeface="Arial" charset="0"/>
-              </a:rPr>
-              <a:t>16</a:t>
-            </a:r>
-            <a:endParaRPr lang="en-US" dirty="0">
-              <a:latin typeface="Arial" charset="0"/>
-            </a:endParaRPr>
+              <a:rPr lang="en-US" dirty="0" smtClean="0"/>
+              <a:t>Often useful for array accesses</a:t>
+            </a:r>
+          </a:p>
+          <a:p>
+            <a:pPr lvl="2">
+              <a:buFont typeface="Wingdings" pitchFamily="2" charset="2"/>
+              <a:buChar char="n"/>
+              <a:defRPr/>
+            </a:pPr>
+            <a:r>
+              <a:rPr lang="en-US" dirty="0" smtClean="0"/>
+              <a:t>Scaling factor = element size (2, 4, 8 bytes)</a:t>
+            </a:r>
           </a:p>
           <a:p>
             <a:pPr lvl="1">
-              <a:lnSpc>
-                <a:spcPct val="80000"/>
-              </a:lnSpc>
+              <a:buFont typeface="Wingdings" pitchFamily="2" charset="2"/>
+              <a:buChar char="q"/>
+              <a:defRPr/>
             </a:pPr>
             <a:r>
-              <a:rPr lang="en-US" dirty="0">
-                <a:latin typeface="Arial" charset="0"/>
-              </a:rPr>
-              <a:t>(EDI) = 00000200</a:t>
-            </a:r>
-            <a:r>
-              <a:rPr lang="en-US" baseline="-25000" dirty="0">
-                <a:latin typeface="Arial" charset="0"/>
-              </a:rPr>
-              <a:t>16</a:t>
-            </a:r>
-            <a:endParaRPr lang="en-US" dirty="0">
-              <a:latin typeface="Arial" charset="0"/>
-            </a:endParaRPr>
+              <a:rPr lang="en-US" dirty="0" smtClean="0"/>
+              <a:t>Example: MOV EDX, [EAX + 4*EBX]</a:t>
+            </a:r>
           </a:p>
           <a:p>
             <a:pPr lvl="1">
-              <a:lnSpc>
-                <a:spcPct val="80000"/>
-              </a:lnSpc>
+              <a:buFont typeface="Wingdings" pitchFamily="2" charset="2"/>
+              <a:buChar char="q"/>
+              <a:defRPr/>
             </a:pPr>
-            <a:r>
-              <a:rPr lang="en-US" dirty="0">
-                <a:latin typeface="Arial" charset="0"/>
-              </a:rPr>
-              <a:t>(EBX) = 00000300</a:t>
-            </a:r>
-            <a:r>
-              <a:rPr lang="en-US" baseline="-25000" dirty="0">
-                <a:latin typeface="Arial" charset="0"/>
-              </a:rPr>
-              <a:t>16</a:t>
-            </a:r>
-            <a:endParaRPr lang="en-US" dirty="0">
-              <a:latin typeface="Arial" charset="0"/>
-            </a:endParaRPr>
-          </a:p>
-          <a:p>
-            <a:pPr>
-              <a:lnSpc>
-                <a:spcPct val="80000"/>
-              </a:lnSpc>
-              <a:buFont typeface="Wingdings" charset="0"/>
-              <a:buNone/>
-            </a:pPr>
-            <a:r>
-              <a:rPr lang="en-US" dirty="0">
-                <a:latin typeface="Arial" charset="0"/>
-              </a:rPr>
-              <a:t> </a:t>
-            </a:r>
-          </a:p>
-          <a:p>
-            <a:pPr>
-              <a:lnSpc>
-                <a:spcPct val="80000"/>
-              </a:lnSpc>
-            </a:pPr>
-            <a:r>
-              <a:rPr lang="en-US" dirty="0" smtClean="0">
-                <a:latin typeface="Arial" charset="0"/>
-              </a:rPr>
-              <a:t>MOV </a:t>
-            </a:r>
-            <a:r>
-              <a:rPr lang="en-US" dirty="0">
-                <a:latin typeface="Arial" charset="0"/>
-              </a:rPr>
-              <a:t>[EBX+0400h], CX</a:t>
-            </a:r>
-          </a:p>
-          <a:p>
-            <a:pPr>
-              <a:lnSpc>
-                <a:spcPct val="80000"/>
-              </a:lnSpc>
-            </a:pPr>
-            <a:r>
-              <a:rPr lang="en-US" dirty="0" smtClean="0">
-                <a:latin typeface="Arial" charset="0"/>
-              </a:rPr>
-              <a:t>MOV </a:t>
-            </a:r>
-            <a:r>
-              <a:rPr lang="en-US" dirty="0">
-                <a:latin typeface="Arial" charset="0"/>
-              </a:rPr>
-              <a:t>[EDI+2*EBX], AH</a:t>
-            </a:r>
-          </a:p>
-          <a:p>
-            <a:pPr>
-              <a:lnSpc>
-                <a:spcPct val="80000"/>
-              </a:lnSpc>
-            </a:pPr>
-            <a:r>
-              <a:rPr lang="en-US" dirty="0" smtClean="0">
-                <a:latin typeface="Arial" charset="0"/>
-              </a:rPr>
-              <a:t>MOV </a:t>
-            </a:r>
-            <a:r>
-              <a:rPr lang="en-US" dirty="0">
-                <a:latin typeface="Arial" charset="0"/>
-              </a:rPr>
-              <a:t>[EBX+EDI+0400h], AL</a:t>
-            </a:r>
+            <a:endParaRPr lang="en-US" dirty="0"/>
           </a:p>
         </p:txBody>
       </p:sp>
@@ -13648,11 +13225,11 @@
           </a:lstStyle>
           <a:p>
             <a:pPr eaLnBrk="1" hangingPunct="1"/>
-            <a:fld id="{56B3E296-7F27-6841-9F90-DFAA2F3A705F}" type="datetime1">
+            <a:fld id="{A78B53BE-0236-D44D-B805-80AC0B7FA2FA}" type="datetime1">
               <a:rPr lang="en-US" smtClean="0">
                 <a:latin typeface="Garamond" charset="0"/>
               </a:rPr>
-              <a:t>9/7/16</a:t>
+              <a:t>9/12/16</a:t>
             </a:fld>
             <a:endParaRPr lang="en-US">
               <a:latin typeface="Garamond" charset="0"/>
@@ -13817,7 +13394,7 @@
           </a:lstStyle>
           <a:p>
             <a:pPr eaLnBrk="1" hangingPunct="1"/>
-            <a:fld id="{8D150CE6-B570-A445-AA1E-33C40A65DBF3}" type="slidenum">
+            <a:fld id="{EA6DB83C-FB40-1543-9B1D-090604D26630}" type="slidenum">
               <a:rPr lang="en-US">
                 <a:latin typeface="Garamond" charset="0"/>
               </a:rPr>
@@ -13864,7 +13441,7 @@
       </p:grpSpPr>
       <p:sp>
         <p:nvSpPr>
-          <p:cNvPr id="9218" name="Title 1"/>
+          <p:cNvPr id="19458" name="Title 1"/>
           <p:cNvSpPr>
             <a:spLocks noGrp="1"/>
           </p:cNvSpPr>
@@ -13881,14 +13458,14 @@
               <a:rPr lang="en-US">
                 <a:latin typeface="Garamond" charset="0"/>
               </a:rPr>
-              <a:t>Example solutions </a:t>
-            </a:r>
-          </a:p>
-        </p:txBody>
-      </p:sp>
-      <p:sp>
-        <p:nvSpPr>
-          <p:cNvPr id="3" name="Content Placeholder 2"/>
+              <a:t>Final notes</a:t>
+            </a:r>
+          </a:p>
+        </p:txBody>
+      </p:sp>
+      <p:sp>
+        <p:nvSpPr>
+          <p:cNvPr id="19459" name="Content Placeholder 2"/>
           <p:cNvSpPr>
             <a:spLocks noGrp="1"/>
           </p:cNvSpPr>
@@ -13898,243 +13475,100 @@
         </p:nvSpPr>
         <p:spPr/>
         <p:txBody>
-          <a:bodyPr>
-            <a:normAutofit/>
-          </a:bodyPr>
+          <a:bodyPr/>
           <a:lstStyle/>
           <a:p>
-            <a:pPr>
-              <a:buFont typeface="Wingdings" pitchFamily="2" charset="2"/>
-              <a:buChar char="n"/>
-              <a:defRPr/>
-            </a:pPr>
-            <a:r>
-              <a:rPr lang="en-US" sz="2800" dirty="0" smtClean="0">
-                <a:ea typeface="+mn-ea"/>
-              </a:rPr>
-              <a:t>Memory operand </a:t>
-            </a:r>
-            <a:r>
-              <a:rPr lang="en-US" sz="2800" dirty="0">
-                <a:ea typeface="+mn-ea"/>
-              </a:rPr>
-              <a:t>in: MOV </a:t>
-            </a:r>
-            <a:r>
-              <a:rPr lang="en-US" sz="2800" dirty="0" smtClean="0">
-                <a:ea typeface="+mn-ea"/>
-              </a:rPr>
-              <a:t>[EBX+0400h], CX</a:t>
-            </a:r>
-          </a:p>
-          <a:p>
-            <a:pPr lvl="1">
-              <a:buFont typeface="Wingdings" pitchFamily="2" charset="2"/>
-              <a:buChar char="q"/>
-              <a:defRPr/>
-            </a:pPr>
-            <a:r>
-              <a:rPr lang="en-US" sz="2400" dirty="0" err="1" smtClean="0">
-                <a:solidFill>
-                  <a:srgbClr val="FF0000"/>
-                </a:solidFill>
-              </a:rPr>
-              <a:t>Addr</a:t>
-            </a:r>
-            <a:r>
-              <a:rPr lang="en-US" sz="2400" dirty="0" smtClean="0">
-                <a:solidFill>
-                  <a:srgbClr val="FF0000"/>
-                </a:solidFill>
-              </a:rPr>
-              <a:t> = value in EBX + 0400h </a:t>
-            </a:r>
-            <a:endParaRPr lang="en-US" sz="2400" dirty="0">
-              <a:solidFill>
-                <a:srgbClr val="FF0000"/>
-              </a:solidFill>
+            <a:r>
+              <a:rPr lang="en-US" dirty="0">
+                <a:latin typeface="Arial" charset="0"/>
+              </a:rPr>
+              <a:t>Next time:</a:t>
+            </a:r>
+          </a:p>
+          <a:p>
+            <a:pPr lvl="1"/>
+            <a:r>
+              <a:rPr lang="en-US" dirty="0" smtClean="0">
+                <a:latin typeface="Arial" charset="0"/>
+              </a:rPr>
+              <a:t>Assembly basics</a:t>
+            </a:r>
+          </a:p>
+          <a:p>
+            <a:pPr lvl="1"/>
+            <a:r>
+              <a:rPr lang="en-US" dirty="0" smtClean="0">
+                <a:latin typeface="Arial" charset="0"/>
+              </a:rPr>
+              <a:t>Data transfer instructions</a:t>
+            </a:r>
+            <a:endParaRPr lang="en-US" dirty="0">
+              <a:latin typeface="Arial" charset="0"/>
             </a:endParaRPr>
           </a:p>
           <a:p>
-            <a:pPr marL="344487" lvl="1" indent="0">
-              <a:buFont typeface="Wingdings" pitchFamily="2" charset="2"/>
-              <a:buNone/>
-              <a:defRPr/>
-            </a:pPr>
-            <a:r>
-              <a:rPr lang="en-US" sz="2400" dirty="0" smtClean="0">
-                <a:solidFill>
-                  <a:srgbClr val="FF0000"/>
-                </a:solidFill>
-              </a:rPr>
-              <a:t>		= 00000300h + 0400h = 00000700h</a:t>
-            </a:r>
-          </a:p>
-          <a:p>
-            <a:pPr>
-              <a:buFont typeface="Wingdings" pitchFamily="2" charset="2"/>
-              <a:buChar char="n"/>
-              <a:defRPr/>
-            </a:pPr>
-            <a:r>
-              <a:rPr lang="en-US" sz="2800" dirty="0" smtClean="0">
-                <a:ea typeface="+mn-ea"/>
-              </a:rPr>
-              <a:t>Memory operand </a:t>
-            </a:r>
-            <a:r>
-              <a:rPr lang="en-US" sz="2800" dirty="0">
-                <a:ea typeface="+mn-ea"/>
-              </a:rPr>
-              <a:t>in: MOV </a:t>
-            </a:r>
-            <a:r>
-              <a:rPr lang="en-US" sz="2800" dirty="0" smtClean="0">
-                <a:ea typeface="+mn-ea"/>
-              </a:rPr>
-              <a:t>[EDI+2*EBX], AH</a:t>
-            </a:r>
-          </a:p>
-          <a:p>
-            <a:pPr lvl="1">
-              <a:buFont typeface="Wingdings" pitchFamily="2" charset="2"/>
-              <a:buChar char="q"/>
-              <a:defRPr/>
-            </a:pPr>
-            <a:r>
-              <a:rPr lang="en-US" sz="2400" dirty="0" err="1" smtClean="0">
-                <a:solidFill>
-                  <a:srgbClr val="FF0000"/>
-                </a:solidFill>
-              </a:rPr>
-              <a:t>Addr</a:t>
-            </a:r>
-            <a:r>
-              <a:rPr lang="en-US" sz="2400" dirty="0" smtClean="0">
-                <a:solidFill>
-                  <a:srgbClr val="FF0000"/>
-                </a:solidFill>
-              </a:rPr>
-              <a:t> = value in EDI + 2 * value in EBX</a:t>
-            </a:r>
-          </a:p>
-          <a:p>
-            <a:pPr marL="344487" lvl="1" indent="0">
-              <a:buFont typeface="Wingdings" pitchFamily="2" charset="2"/>
-              <a:buNone/>
-              <a:defRPr/>
-            </a:pPr>
-            <a:r>
-              <a:rPr lang="en-US" sz="2400" dirty="0">
-                <a:solidFill>
-                  <a:srgbClr val="FF0000"/>
-                </a:solidFill>
-              </a:rPr>
-              <a:t>	</a:t>
-            </a:r>
-            <a:r>
-              <a:rPr lang="en-US" sz="2400" dirty="0" smtClean="0">
-                <a:solidFill>
-                  <a:srgbClr val="FF0000"/>
-                </a:solidFill>
-              </a:rPr>
-              <a:t>	= 00000200h + 2 * 00000300h </a:t>
-            </a:r>
-          </a:p>
-          <a:p>
-            <a:pPr marL="344487" lvl="1" indent="0">
-              <a:buFont typeface="Wingdings" pitchFamily="2" charset="2"/>
-              <a:buNone/>
-              <a:defRPr/>
-            </a:pPr>
-            <a:r>
-              <a:rPr lang="en-US" sz="2400" dirty="0" smtClean="0">
-                <a:solidFill>
-                  <a:srgbClr val="FF0000"/>
-                </a:solidFill>
-              </a:rPr>
-              <a:t>		= 00000200h + 00000600h</a:t>
-            </a:r>
-          </a:p>
-          <a:p>
-            <a:pPr>
-              <a:buFont typeface="Wingdings" pitchFamily="2" charset="2"/>
-              <a:buChar char="n"/>
-              <a:defRPr/>
-            </a:pPr>
-            <a:r>
-              <a:rPr lang="en-US" sz="2800" dirty="0" smtClean="0">
-                <a:ea typeface="+mn-ea"/>
-              </a:rPr>
-              <a:t>Memory operand </a:t>
-            </a:r>
-            <a:r>
-              <a:rPr lang="en-US" sz="2800" dirty="0">
-                <a:ea typeface="+mn-ea"/>
-              </a:rPr>
-              <a:t>in MOV </a:t>
-            </a:r>
-            <a:r>
-              <a:rPr lang="en-US" sz="2800" dirty="0" smtClean="0">
-                <a:ea typeface="+mn-ea"/>
-              </a:rPr>
-              <a:t>[EBX+EDI+0400h], AL</a:t>
-            </a:r>
-          </a:p>
-          <a:p>
-            <a:pPr lvl="1">
-              <a:buFont typeface="Wingdings" pitchFamily="2" charset="2"/>
-              <a:buChar char="q"/>
-              <a:defRPr/>
-            </a:pPr>
-            <a:r>
-              <a:rPr lang="en-US" sz="2400" dirty="0" err="1" smtClean="0">
-                <a:solidFill>
-                  <a:srgbClr val="FF0000"/>
-                </a:solidFill>
-              </a:rPr>
-              <a:t>Addr</a:t>
-            </a:r>
-            <a:r>
-              <a:rPr lang="en-US" sz="2400" dirty="0" smtClean="0">
-                <a:solidFill>
-                  <a:srgbClr val="FF0000"/>
-                </a:solidFill>
-              </a:rPr>
-              <a:t> = EBX + EDI + 0400h </a:t>
-            </a:r>
-          </a:p>
-          <a:p>
-            <a:pPr marL="344487" lvl="1" indent="0">
-              <a:buFont typeface="Wingdings" pitchFamily="2" charset="2"/>
-              <a:buNone/>
-              <a:defRPr/>
-            </a:pPr>
-            <a:r>
-              <a:rPr lang="en-US" sz="2400" dirty="0">
-                <a:solidFill>
-                  <a:srgbClr val="FF0000"/>
-                </a:solidFill>
-              </a:rPr>
-              <a:t>	</a:t>
-            </a:r>
-            <a:r>
-              <a:rPr lang="en-US" sz="2400" dirty="0" smtClean="0">
-                <a:solidFill>
-                  <a:srgbClr val="FF0000"/>
-                </a:solidFill>
-              </a:rPr>
-              <a:t>= 00000300H + 00000200H + 0400h = 00000900h</a:t>
-            </a:r>
-          </a:p>
-          <a:p>
-            <a:pPr>
-              <a:buFont typeface="Wingdings" pitchFamily="2" charset="2"/>
-              <a:buChar char="n"/>
-              <a:defRPr/>
-            </a:pPr>
+            <a:r>
+              <a:rPr lang="en-US" dirty="0" smtClean="0">
+                <a:latin typeface="Arial" charset="0"/>
+              </a:rPr>
+              <a:t>Reminders</a:t>
+            </a:r>
+            <a:r>
+              <a:rPr lang="en-US" dirty="0">
+                <a:latin typeface="Arial" charset="0"/>
+              </a:rPr>
+              <a:t>:</a:t>
+            </a:r>
+          </a:p>
+          <a:p>
+            <a:pPr lvl="1"/>
+            <a:r>
+              <a:rPr lang="en-US" dirty="0">
+                <a:latin typeface="Arial" charset="0"/>
+              </a:rPr>
+              <a:t>Sign up for the course discussion group on Piazza</a:t>
+            </a:r>
+          </a:p>
+          <a:p>
+            <a:pPr lvl="1"/>
+            <a:r>
+              <a:rPr lang="en-US" dirty="0">
+                <a:latin typeface="Arial" charset="0"/>
+              </a:rPr>
+              <a:t>HW 1 posted; due Wednesday, 9/14, 2:00 PM</a:t>
+            </a:r>
+          </a:p>
+          <a:p>
+            <a:pPr lvl="2"/>
+            <a:r>
+              <a:rPr lang="en-US" dirty="0">
+                <a:latin typeface="Arial" charset="0"/>
+              </a:rPr>
+              <a:t>Bring hard copies to class or leave in envelope on office door (Perry 118A)</a:t>
+            </a:r>
+          </a:p>
+          <a:p>
+            <a:pPr lvl="2"/>
+            <a:r>
+              <a:rPr lang="en-US" dirty="0">
+                <a:latin typeface="Arial" charset="0"/>
+              </a:rPr>
+              <a:t>E-mail electronic submissions to Dr. Geiger</a:t>
+            </a:r>
+          </a:p>
+          <a:p>
+            <a:pPr lvl="3"/>
+            <a:r>
+              <a:rPr lang="en-US">
+                <a:latin typeface="Arial" charset="0"/>
+              </a:rPr>
+              <a:t>Please attach only a single file (archives not accepted)</a:t>
+            </a:r>
+          </a:p>
+          <a:p>
+            <a:pPr lvl="1"/>
             <a:endParaRPr lang="en-US" dirty="0">
-              <a:ea typeface="+mn-ea"/>
+              <a:latin typeface="Arial" charset="0"/>
             </a:endParaRPr>
           </a:p>
         </p:txBody>
@@ -14270,11 +13704,11 @@
           </a:lstStyle>
           <a:p>
             <a:pPr eaLnBrk="1" hangingPunct="1"/>
-            <a:fld id="{76FDD00D-2A46-C241-870D-24EB11C5EC89}" type="datetime1">
+            <a:fld id="{1C3CB9B4-D0E3-A343-9A80-1D739BFC8FBE}" type="datetime1">
               <a:rPr lang="en-US" smtClean="0">
                 <a:latin typeface="Garamond" charset="0"/>
               </a:rPr>
-              <a:t>9/7/16</a:t>
+              <a:t>9/12/16</a:t>
             </a:fld>
             <a:endParaRPr lang="en-US">
               <a:latin typeface="Garamond" charset="0"/>
@@ -14301,10 +13735,9 @@
               <a:defRPr/>
             </a:pPr>
             <a:r>
-              <a:rPr lang="en-US" altLang="en-US" smtClean="0"/>
+              <a:rPr lang="en-US" altLang="en-US"/>
               <a:t>Microprocessors I:  Lecture 4</a:t>
             </a:r>
-            <a:endParaRPr lang="en-US" altLang="en-US"/>
           </a:p>
         </p:txBody>
       </p:sp>
@@ -14439,7 +13872,7 @@
           </a:lstStyle>
           <a:p>
             <a:pPr eaLnBrk="1" hangingPunct="1"/>
-            <a:fld id="{BF0C165A-D028-AA49-8F7D-CFEFD0CD8E88}" type="slidenum">
+            <a:fld id="{7318A6F9-97BD-0640-AE56-DA2FF8060FFA}" type="slidenum">
               <a:rPr lang="en-US">
                 <a:latin typeface="Garamond" charset="0"/>
               </a:rPr>
@@ -14801,7 +14234,7 @@
               <a:rPr lang="en-US" smtClean="0">
                 <a:latin typeface="Garamond" charset="0"/>
               </a:rPr>
-              <a:t>9/7/16</a:t>
+              <a:t>9/12/16</a:t>
             </a:fld>
             <a:endParaRPr lang="en-US">
               <a:latin typeface="Garamond" charset="0"/>
@@ -14972,484 +14405,6 @@
               </a:rPr>
               <a:pPr eaLnBrk="1" hangingPunct="1"/>
               <a:t>2</a:t>
-            </a:fld>
-            <a:endParaRPr lang="en-US">
-              <a:latin typeface="Garamond" charset="0"/>
-            </a:endParaRPr>
-          </a:p>
-        </p:txBody>
-      </p:sp>
-    </p:spTree>
-  </p:cSld>
-  <p:clrMapOvr>
-    <a:masterClrMapping/>
-  </p:clrMapOvr>
-  <p:timing>
-    <p:tnLst>
-      <p:par>
-        <p:cTn xmlns:p14="http://schemas.microsoft.com/office/powerpoint/2010/main" id="1" dur="indefinite" restart="never" nodeType="tmRoot"/>
-      </p:par>
-    </p:tnLst>
-  </p:timing>
-</p:sld>
-</file>
-
-<file path=ppt/slides/slide20.xml><?xml version="1.0" encoding="utf-8"?>
-<p:sld xmlns:a="http://schemas.openxmlformats.org/drawingml/2006/main" xmlns:r="http://schemas.openxmlformats.org/officeDocument/2006/relationships" xmlns:p="http://schemas.openxmlformats.org/presentationml/2006/main">
-  <p:cSld>
-    <p:spTree>
-      <p:nvGrpSpPr>
-        <p:cNvPr id="1" name=""/>
-        <p:cNvGrpSpPr/>
-        <p:nvPr/>
-      </p:nvGrpSpPr>
-      <p:grpSpPr>
-        <a:xfrm>
-          <a:off x="0" y="0"/>
-          <a:ext cx="0" cy="0"/>
-          <a:chOff x="0" y="0"/>
-          <a:chExt cx="0" cy="0"/>
-        </a:xfrm>
-      </p:grpSpPr>
-      <p:sp>
-        <p:nvSpPr>
-          <p:cNvPr id="19458" name="Title 1"/>
-          <p:cNvSpPr>
-            <a:spLocks noGrp="1"/>
-          </p:cNvSpPr>
-          <p:nvPr>
-            <p:ph type="title"/>
-          </p:nvPr>
-        </p:nvSpPr>
-        <p:spPr/>
-        <p:txBody>
-          <a:bodyPr/>
-          <a:lstStyle/>
-          <a:p>
-            <a:r>
-              <a:rPr lang="en-US">
-                <a:latin typeface="Garamond" charset="0"/>
-              </a:rPr>
-              <a:t>Final notes</a:t>
-            </a:r>
-          </a:p>
-        </p:txBody>
-      </p:sp>
-      <p:sp>
-        <p:nvSpPr>
-          <p:cNvPr id="19459" name="Content Placeholder 2"/>
-          <p:cNvSpPr>
-            <a:spLocks noGrp="1"/>
-          </p:cNvSpPr>
-          <p:nvPr>
-            <p:ph idx="1"/>
-          </p:nvPr>
-        </p:nvSpPr>
-        <p:spPr/>
-        <p:txBody>
-          <a:bodyPr/>
-          <a:lstStyle/>
-          <a:p>
-            <a:r>
-              <a:rPr lang="en-US" dirty="0">
-                <a:latin typeface="Arial" charset="0"/>
-              </a:rPr>
-              <a:t>Next time:</a:t>
-            </a:r>
-          </a:p>
-          <a:p>
-            <a:pPr lvl="1"/>
-            <a:r>
-              <a:rPr lang="en-US" dirty="0" smtClean="0">
-                <a:latin typeface="Arial" charset="0"/>
-              </a:rPr>
-              <a:t>Assembly basics</a:t>
-            </a:r>
-          </a:p>
-          <a:p>
-            <a:pPr lvl="1"/>
-            <a:r>
-              <a:rPr lang="en-US" dirty="0" smtClean="0">
-                <a:latin typeface="Arial" charset="0"/>
-              </a:rPr>
-              <a:t>Data transfer instructions</a:t>
-            </a:r>
-            <a:endParaRPr lang="en-US" dirty="0">
-              <a:latin typeface="Arial" charset="0"/>
-            </a:endParaRPr>
-          </a:p>
-          <a:p>
-            <a:r>
-              <a:rPr lang="en-US" dirty="0" smtClean="0">
-                <a:latin typeface="Arial" charset="0"/>
-              </a:rPr>
-              <a:t>Reminders</a:t>
-            </a:r>
-            <a:r>
-              <a:rPr lang="en-US" dirty="0">
-                <a:latin typeface="Arial" charset="0"/>
-              </a:rPr>
-              <a:t>:</a:t>
-            </a:r>
-          </a:p>
-          <a:p>
-            <a:pPr lvl="1"/>
-            <a:r>
-              <a:rPr lang="en-US" dirty="0">
-                <a:latin typeface="Arial" charset="0"/>
-              </a:rPr>
-              <a:t>Sign up for the course discussion group on Piazza</a:t>
-            </a:r>
-          </a:p>
-          <a:p>
-            <a:pPr lvl="1"/>
-            <a:r>
-              <a:rPr lang="en-US" dirty="0">
-                <a:latin typeface="Arial" charset="0"/>
-              </a:rPr>
-              <a:t>HW 1 posted; due Wednesday, 9/14, 2:00 PM</a:t>
-            </a:r>
-          </a:p>
-          <a:p>
-            <a:pPr lvl="2"/>
-            <a:r>
-              <a:rPr lang="en-US" dirty="0">
-                <a:latin typeface="Arial" charset="0"/>
-              </a:rPr>
-              <a:t>Bring hard copies to class or leave in envelope on office door (Perry 118A)</a:t>
-            </a:r>
-          </a:p>
-          <a:p>
-            <a:pPr lvl="2"/>
-            <a:r>
-              <a:rPr lang="en-US" dirty="0">
-                <a:latin typeface="Arial" charset="0"/>
-              </a:rPr>
-              <a:t>E-mail electronic submissions to Dr. Geiger</a:t>
-            </a:r>
-          </a:p>
-          <a:p>
-            <a:pPr lvl="3"/>
-            <a:r>
-              <a:rPr lang="en-US">
-                <a:latin typeface="Arial" charset="0"/>
-              </a:rPr>
-              <a:t>Please attach only a single file (archives not accepted)</a:t>
-            </a:r>
-          </a:p>
-          <a:p>
-            <a:pPr lvl="1"/>
-            <a:endParaRPr lang="en-US" dirty="0">
-              <a:latin typeface="Arial" charset="0"/>
-            </a:endParaRPr>
-          </a:p>
-        </p:txBody>
-      </p:sp>
-      <p:sp>
-        <p:nvSpPr>
-          <p:cNvPr id="4" name="Date Placeholder 3"/>
-          <p:cNvSpPr>
-            <a:spLocks noGrp="1"/>
-          </p:cNvSpPr>
-          <p:nvPr>
-            <p:ph type="dt" sz="quarter" idx="10"/>
-          </p:nvPr>
-        </p:nvSpPr>
-        <p:spPr/>
-        <p:txBody>
-          <a:bodyPr/>
-          <a:lstStyle>
-            <a:lvl1pPr eaLnBrk="0" hangingPunct="0">
-              <a:defRPr>
-                <a:solidFill>
-                  <a:schemeClr val="tx1"/>
-                </a:solidFill>
-                <a:latin typeface="Arial" charset="0"/>
-                <a:ea typeface="ＭＳ Ｐゴシック" charset="0"/>
-                <a:cs typeface="Arial" charset="0"/>
-              </a:defRPr>
-            </a:lvl1pPr>
-            <a:lvl2pPr marL="742950" indent="-285750" eaLnBrk="0" hangingPunct="0">
-              <a:defRPr>
-                <a:solidFill>
-                  <a:schemeClr val="tx1"/>
-                </a:solidFill>
-                <a:latin typeface="Arial" charset="0"/>
-                <a:ea typeface="Arial" charset="0"/>
-                <a:cs typeface="Arial" charset="0"/>
-              </a:defRPr>
-            </a:lvl2pPr>
-            <a:lvl3pPr marL="1143000" indent="-228600" eaLnBrk="0" hangingPunct="0">
-              <a:defRPr>
-                <a:solidFill>
-                  <a:schemeClr val="tx1"/>
-                </a:solidFill>
-                <a:latin typeface="Arial" charset="0"/>
-                <a:ea typeface="Arial" charset="0"/>
-                <a:cs typeface="Arial" charset="0"/>
-              </a:defRPr>
-            </a:lvl3pPr>
-            <a:lvl4pPr marL="1600200" indent="-228600" eaLnBrk="0" hangingPunct="0">
-              <a:defRPr>
-                <a:solidFill>
-                  <a:schemeClr val="tx1"/>
-                </a:solidFill>
-                <a:latin typeface="Arial" charset="0"/>
-                <a:ea typeface="Arial" charset="0"/>
-                <a:cs typeface="Arial" charset="0"/>
-              </a:defRPr>
-            </a:lvl4pPr>
-            <a:lvl5pPr marL="2057400" indent="-228600" eaLnBrk="0" hangingPunct="0">
-              <a:defRPr>
-                <a:solidFill>
-                  <a:schemeClr val="tx1"/>
-                </a:solidFill>
-                <a:latin typeface="Arial" charset="0"/>
-                <a:ea typeface="Arial" charset="0"/>
-                <a:cs typeface="Arial" charset="0"/>
-              </a:defRPr>
-            </a:lvl5pPr>
-            <a:lvl6pPr marL="2514600" indent="-228600" eaLnBrk="0" fontAlgn="base" hangingPunct="0">
-              <a:spcBef>
-                <a:spcPct val="0"/>
-              </a:spcBef>
-              <a:spcAft>
-                <a:spcPct val="0"/>
-              </a:spcAft>
-              <a:defRPr>
-                <a:solidFill>
-                  <a:schemeClr val="tx1"/>
-                </a:solidFill>
-                <a:latin typeface="Arial" charset="0"/>
-                <a:ea typeface="Arial" charset="0"/>
-                <a:cs typeface="Arial" charset="0"/>
-              </a:defRPr>
-            </a:lvl6pPr>
-            <a:lvl7pPr marL="2971800" indent="-228600" eaLnBrk="0" fontAlgn="base" hangingPunct="0">
-              <a:spcBef>
-                <a:spcPct val="0"/>
-              </a:spcBef>
-              <a:spcAft>
-                <a:spcPct val="0"/>
-              </a:spcAft>
-              <a:defRPr>
-                <a:solidFill>
-                  <a:schemeClr val="tx1"/>
-                </a:solidFill>
-                <a:latin typeface="Arial" charset="0"/>
-                <a:ea typeface="Arial" charset="0"/>
-                <a:cs typeface="Arial" charset="0"/>
-              </a:defRPr>
-            </a:lvl7pPr>
-            <a:lvl8pPr marL="3429000" indent="-228600" eaLnBrk="0" fontAlgn="base" hangingPunct="0">
-              <a:spcBef>
-                <a:spcPct val="0"/>
-              </a:spcBef>
-              <a:spcAft>
-                <a:spcPct val="0"/>
-              </a:spcAft>
-              <a:defRPr>
-                <a:solidFill>
-                  <a:schemeClr val="tx1"/>
-                </a:solidFill>
-                <a:latin typeface="Arial" charset="0"/>
-                <a:ea typeface="Arial" charset="0"/>
-                <a:cs typeface="Arial" charset="0"/>
-              </a:defRPr>
-            </a:lvl8pPr>
-            <a:lvl9pPr marL="3886200" indent="-228600" eaLnBrk="0" fontAlgn="base" hangingPunct="0">
-              <a:spcBef>
-                <a:spcPct val="0"/>
-              </a:spcBef>
-              <a:spcAft>
-                <a:spcPct val="0"/>
-              </a:spcAft>
-              <a:defRPr>
-                <a:solidFill>
-                  <a:schemeClr val="tx1"/>
-                </a:solidFill>
-                <a:latin typeface="Arial" charset="0"/>
-                <a:ea typeface="Arial" charset="0"/>
-                <a:cs typeface="Arial" charset="0"/>
-              </a:defRPr>
-            </a:lvl9pPr>
-          </a:lstStyle>
-          <a:p>
-            <a:pPr eaLnBrk="1" hangingPunct="1"/>
-            <a:fld id="{1C3CB9B4-D0E3-A343-9A80-1D739BFC8FBE}" type="datetime1">
-              <a:rPr lang="en-US" smtClean="0">
-                <a:latin typeface="Garamond" charset="0"/>
-              </a:rPr>
-              <a:t>9/7/16</a:t>
-            </a:fld>
-            <a:endParaRPr lang="en-US">
-              <a:latin typeface="Garamond" charset="0"/>
-            </a:endParaRPr>
-          </a:p>
-        </p:txBody>
-      </p:sp>
-      <p:sp>
-        <p:nvSpPr>
-          <p:cNvPr id="5" name="Footer Placeholder 4"/>
-          <p:cNvSpPr>
-            <a:spLocks noGrp="1"/>
-          </p:cNvSpPr>
-          <p:nvPr>
-            <p:ph type="ftr" sz="quarter" idx="11"/>
-          </p:nvPr>
-        </p:nvSpPr>
-        <p:spPr/>
-        <p:txBody>
-          <a:bodyPr/>
-          <a:lstStyle/>
-          <a:p>
-            <a:pPr>
-              <a:defRPr/>
-            </a:pPr>
-            <a:r>
-              <a:rPr lang="en-US" altLang="en-US"/>
-              <a:t>Microprocessors I:  Lecture 4</a:t>
-            </a:r>
-          </a:p>
-        </p:txBody>
-      </p:sp>
-      <p:sp>
-        <p:nvSpPr>
-          <p:cNvPr id="6" name="Slide Number Placeholder 5"/>
-          <p:cNvSpPr>
-            <a:spLocks noGrp="1"/>
-          </p:cNvSpPr>
-          <p:nvPr>
-            <p:ph type="sldNum" sz="quarter" idx="12"/>
-          </p:nvPr>
-        </p:nvSpPr>
-        <p:spPr/>
-        <p:txBody>
-          <a:bodyPr/>
-          <a:lstStyle>
-            <a:lvl1pPr eaLnBrk="0" hangingPunct="0">
-              <a:defRPr>
-                <a:solidFill>
-                  <a:schemeClr val="tx1"/>
-                </a:solidFill>
-                <a:latin typeface="Arial" charset="0"/>
-                <a:ea typeface="ＭＳ Ｐゴシック" charset="0"/>
-                <a:cs typeface="Arial" charset="0"/>
-              </a:defRPr>
-            </a:lvl1pPr>
-            <a:lvl2pPr marL="742950" indent="-285750" eaLnBrk="0" hangingPunct="0">
-              <a:defRPr>
-                <a:solidFill>
-                  <a:schemeClr val="tx1"/>
-                </a:solidFill>
-                <a:latin typeface="Arial" charset="0"/>
-                <a:ea typeface="Arial" charset="0"/>
-                <a:cs typeface="Arial" charset="0"/>
-              </a:defRPr>
-            </a:lvl2pPr>
-            <a:lvl3pPr marL="1143000" indent="-228600" eaLnBrk="0" hangingPunct="0">
-              <a:defRPr>
-                <a:solidFill>
-                  <a:schemeClr val="tx1"/>
-                </a:solidFill>
-                <a:latin typeface="Arial" charset="0"/>
-                <a:ea typeface="Arial" charset="0"/>
-                <a:cs typeface="Arial" charset="0"/>
-              </a:defRPr>
-            </a:lvl3pPr>
-            <a:lvl4pPr marL="1600200" indent="-228600" eaLnBrk="0" hangingPunct="0">
-              <a:defRPr>
-                <a:solidFill>
-                  <a:schemeClr val="tx1"/>
-                </a:solidFill>
-                <a:latin typeface="Arial" charset="0"/>
-                <a:ea typeface="Arial" charset="0"/>
-                <a:cs typeface="Arial" charset="0"/>
-              </a:defRPr>
-            </a:lvl4pPr>
-            <a:lvl5pPr marL="2057400" indent="-228600" eaLnBrk="0" hangingPunct="0">
-              <a:defRPr>
-                <a:solidFill>
-                  <a:schemeClr val="tx1"/>
-                </a:solidFill>
-                <a:latin typeface="Arial" charset="0"/>
-                <a:ea typeface="Arial" charset="0"/>
-                <a:cs typeface="Arial" charset="0"/>
-              </a:defRPr>
-            </a:lvl5pPr>
-            <a:lvl6pPr marL="2514600" indent="-228600" eaLnBrk="0" fontAlgn="base" hangingPunct="0">
-              <a:spcBef>
-                <a:spcPct val="0"/>
-              </a:spcBef>
-              <a:spcAft>
-                <a:spcPct val="0"/>
-              </a:spcAft>
-              <a:defRPr>
-                <a:solidFill>
-                  <a:schemeClr val="tx1"/>
-                </a:solidFill>
-                <a:latin typeface="Arial" charset="0"/>
-                <a:ea typeface="Arial" charset="0"/>
-                <a:cs typeface="Arial" charset="0"/>
-              </a:defRPr>
-            </a:lvl6pPr>
-            <a:lvl7pPr marL="2971800" indent="-228600" eaLnBrk="0" fontAlgn="base" hangingPunct="0">
-              <a:spcBef>
-                <a:spcPct val="0"/>
-              </a:spcBef>
-              <a:spcAft>
-                <a:spcPct val="0"/>
-              </a:spcAft>
-              <a:defRPr>
-                <a:solidFill>
-                  <a:schemeClr val="tx1"/>
-                </a:solidFill>
-                <a:latin typeface="Arial" charset="0"/>
-                <a:ea typeface="Arial" charset="0"/>
-                <a:cs typeface="Arial" charset="0"/>
-              </a:defRPr>
-            </a:lvl7pPr>
-            <a:lvl8pPr marL="3429000" indent="-228600" eaLnBrk="0" fontAlgn="base" hangingPunct="0">
-              <a:spcBef>
-                <a:spcPct val="0"/>
-              </a:spcBef>
-              <a:spcAft>
-                <a:spcPct val="0"/>
-              </a:spcAft>
-              <a:defRPr>
-                <a:solidFill>
-                  <a:schemeClr val="tx1"/>
-                </a:solidFill>
-                <a:latin typeface="Arial" charset="0"/>
-                <a:ea typeface="Arial" charset="0"/>
-                <a:cs typeface="Arial" charset="0"/>
-              </a:defRPr>
-            </a:lvl8pPr>
-            <a:lvl9pPr marL="3886200" indent="-228600" eaLnBrk="0" fontAlgn="base" hangingPunct="0">
-              <a:spcBef>
-                <a:spcPct val="0"/>
-              </a:spcBef>
-              <a:spcAft>
-                <a:spcPct val="0"/>
-              </a:spcAft>
-              <a:defRPr>
-                <a:solidFill>
-                  <a:schemeClr val="tx1"/>
-                </a:solidFill>
-                <a:latin typeface="Arial" charset="0"/>
-                <a:ea typeface="Arial" charset="0"/>
-                <a:cs typeface="Arial" charset="0"/>
-              </a:defRPr>
-            </a:lvl9pPr>
-          </a:lstStyle>
-          <a:p>
-            <a:pPr eaLnBrk="1" hangingPunct="1"/>
-            <a:fld id="{7318A6F9-97BD-0640-AE56-DA2FF8060FFA}" type="slidenum">
-              <a:rPr lang="en-US">
-                <a:latin typeface="Garamond" charset="0"/>
-              </a:rPr>
-              <a:pPr eaLnBrk="1" hangingPunct="1"/>
-              <a:t>20</a:t>
             </a:fld>
             <a:endParaRPr lang="en-US">
               <a:latin typeface="Garamond" charset="0"/>
@@ -15866,7 +14821,7 @@
               <a:rPr lang="en-US" smtClean="0">
                 <a:latin typeface="Garamond" charset="0"/>
               </a:rPr>
-              <a:t>9/7/16</a:t>
+              <a:t>9/12/16</a:t>
             </a:fld>
             <a:endParaRPr lang="en-US">
               <a:latin typeface="Garamond" charset="0"/>
@@ -16379,7 +15334,7 @@
               <a:rPr lang="en-US" smtClean="0">
                 <a:latin typeface="Garamond" charset="0"/>
               </a:rPr>
-              <a:t>9/7/16</a:t>
+              <a:t>9/12/16</a:t>
             </a:fld>
             <a:endParaRPr lang="en-US">
               <a:latin typeface="Garamond" charset="0"/>
@@ -16883,7 +15838,7 @@
               <a:rPr lang="en-US" smtClean="0">
                 <a:latin typeface="Garamond" charset="0"/>
               </a:rPr>
-              <a:t>9/7/16</a:t>
+              <a:t>9/12/16</a:t>
             </a:fld>
             <a:endParaRPr lang="en-US">
               <a:latin typeface="Garamond" charset="0"/>
@@ -17405,7 +16360,7 @@
               <a:rPr lang="en-US" smtClean="0">
                 <a:latin typeface="Garamond" charset="0"/>
               </a:rPr>
-              <a:t>9/7/16</a:t>
+              <a:t>9/12/16</a:t>
             </a:fld>
             <a:endParaRPr lang="en-US">
               <a:latin typeface="Garamond" charset="0"/>
@@ -17940,7 +16895,7 @@
               <a:rPr lang="en-US" smtClean="0">
                 <a:latin typeface="Garamond" charset="0"/>
               </a:rPr>
-              <a:t>9/7/16</a:t>
+              <a:t>9/12/16</a:t>
             </a:fld>
             <a:endParaRPr lang="en-US">
               <a:latin typeface="Garamond" charset="0"/>
@@ -18426,7 +17381,7 @@
               <a:rPr lang="en-US" smtClean="0">
                 <a:latin typeface="Garamond" charset="0"/>
               </a:rPr>
-              <a:t>9/7/16</a:t>
+              <a:t>9/12/16</a:t>
             </a:fld>
             <a:endParaRPr lang="en-US">
               <a:latin typeface="Garamond" charset="0"/>
@@ -18975,7 +17930,7 @@
               <a:rPr lang="en-US" smtClean="0">
                 <a:latin typeface="Garamond" charset="0"/>
               </a:rPr>
-              <a:t>9/7/16</a:t>
+              <a:t>9/12/16</a:t>
             </a:fld>
             <a:endParaRPr lang="en-US">
               <a:latin typeface="Garamond" charset="0"/>
